--- a/slides.pptx
+++ b/slides.pptx
@@ -8,24 +8,25 @@
     <p:sldId id="256" r:id="rId2"/>
     <p:sldId id="258" r:id="rId3"/>
     <p:sldId id="259" r:id="rId4"/>
-    <p:sldId id="260" r:id="rId5"/>
-    <p:sldId id="261" r:id="rId6"/>
+    <p:sldId id="279" r:id="rId5"/>
+    <p:sldId id="260" r:id="rId6"/>
     <p:sldId id="262" r:id="rId7"/>
-    <p:sldId id="276" r:id="rId8"/>
-    <p:sldId id="263" r:id="rId9"/>
-    <p:sldId id="264" r:id="rId10"/>
-    <p:sldId id="277" r:id="rId11"/>
-    <p:sldId id="278" r:id="rId12"/>
-    <p:sldId id="268" r:id="rId13"/>
-    <p:sldId id="265" r:id="rId14"/>
-    <p:sldId id="267" r:id="rId15"/>
-    <p:sldId id="266" r:id="rId16"/>
-    <p:sldId id="269" r:id="rId17"/>
-    <p:sldId id="270" r:id="rId18"/>
-    <p:sldId id="272" r:id="rId19"/>
+    <p:sldId id="261" r:id="rId8"/>
+    <p:sldId id="276" r:id="rId9"/>
+    <p:sldId id="263" r:id="rId10"/>
+    <p:sldId id="264" r:id="rId11"/>
+    <p:sldId id="277" r:id="rId12"/>
+    <p:sldId id="278" r:id="rId13"/>
+    <p:sldId id="268" r:id="rId14"/>
+    <p:sldId id="265" r:id="rId15"/>
+    <p:sldId id="267" r:id="rId16"/>
+    <p:sldId id="266" r:id="rId17"/>
+    <p:sldId id="269" r:id="rId18"/>
+    <p:sldId id="270" r:id="rId19"/>
     <p:sldId id="273" r:id="rId20"/>
-    <p:sldId id="275" r:id="rId21"/>
-    <p:sldId id="274" r:id="rId22"/>
+    <p:sldId id="272" r:id="rId21"/>
+    <p:sldId id="275" r:id="rId22"/>
+    <p:sldId id="274" r:id="rId23"/>
   </p:sldIdLst>
   <p:sldSz cx="12192000" cy="6858000"/>
   <p:notesSz cx="6858000" cy="9144000"/>
@@ -281,7 +282,7 @@
           <a:p>
             <a:fld id="{0CD70C51-1E5D-7A47-B5CD-97B74165E9C6}" type="datetimeFigureOut">
               <a:rPr lang="en-US" smtClean="0"/>
-              <a:t>11/20/20</a:t>
+              <a:t>11/22/20</a:t>
             </a:fld>
             <a:endParaRPr lang="en-US"/>
           </a:p>
@@ -481,7 +482,7 @@
           <a:p>
             <a:fld id="{0CD70C51-1E5D-7A47-B5CD-97B74165E9C6}" type="datetimeFigureOut">
               <a:rPr lang="en-US" smtClean="0"/>
-              <a:t>11/20/20</a:t>
+              <a:t>11/22/20</a:t>
             </a:fld>
             <a:endParaRPr lang="en-US"/>
           </a:p>
@@ -691,7 +692,7 @@
           <a:p>
             <a:fld id="{0CD70C51-1E5D-7A47-B5CD-97B74165E9C6}" type="datetimeFigureOut">
               <a:rPr lang="en-US" smtClean="0"/>
-              <a:t>11/20/20</a:t>
+              <a:t>11/22/20</a:t>
             </a:fld>
             <a:endParaRPr lang="en-US"/>
           </a:p>
@@ -891,7 +892,7 @@
           <a:p>
             <a:fld id="{0CD70C51-1E5D-7A47-B5CD-97B74165E9C6}" type="datetimeFigureOut">
               <a:rPr lang="en-US" smtClean="0"/>
-              <a:t>11/20/20</a:t>
+              <a:t>11/22/20</a:t>
             </a:fld>
             <a:endParaRPr lang="en-US"/>
           </a:p>
@@ -1167,7 +1168,7 @@
           <a:p>
             <a:fld id="{0CD70C51-1E5D-7A47-B5CD-97B74165E9C6}" type="datetimeFigureOut">
               <a:rPr lang="en-US" smtClean="0"/>
-              <a:t>11/20/20</a:t>
+              <a:t>11/22/20</a:t>
             </a:fld>
             <a:endParaRPr lang="en-US"/>
           </a:p>
@@ -1435,7 +1436,7 @@
           <a:p>
             <a:fld id="{0CD70C51-1E5D-7A47-B5CD-97B74165E9C6}" type="datetimeFigureOut">
               <a:rPr lang="en-US" smtClean="0"/>
-              <a:t>11/20/20</a:t>
+              <a:t>11/22/20</a:t>
             </a:fld>
             <a:endParaRPr lang="en-US"/>
           </a:p>
@@ -1850,7 +1851,7 @@
           <a:p>
             <a:fld id="{0CD70C51-1E5D-7A47-B5CD-97B74165E9C6}" type="datetimeFigureOut">
               <a:rPr lang="en-US" smtClean="0"/>
-              <a:t>11/20/20</a:t>
+              <a:t>11/22/20</a:t>
             </a:fld>
             <a:endParaRPr lang="en-US"/>
           </a:p>
@@ -1992,7 +1993,7 @@
           <a:p>
             <a:fld id="{0CD70C51-1E5D-7A47-B5CD-97B74165E9C6}" type="datetimeFigureOut">
               <a:rPr lang="en-US" smtClean="0"/>
-              <a:t>11/20/20</a:t>
+              <a:t>11/22/20</a:t>
             </a:fld>
             <a:endParaRPr lang="en-US"/>
           </a:p>
@@ -2105,7 +2106,7 @@
           <a:p>
             <a:fld id="{0CD70C51-1E5D-7A47-B5CD-97B74165E9C6}" type="datetimeFigureOut">
               <a:rPr lang="en-US" smtClean="0"/>
-              <a:t>11/20/20</a:t>
+              <a:t>11/22/20</a:t>
             </a:fld>
             <a:endParaRPr lang="en-US"/>
           </a:p>
@@ -2418,7 +2419,7 @@
           <a:p>
             <a:fld id="{0CD70C51-1E5D-7A47-B5CD-97B74165E9C6}" type="datetimeFigureOut">
               <a:rPr lang="en-US" smtClean="0"/>
-              <a:t>11/20/20</a:t>
+              <a:t>11/22/20</a:t>
             </a:fld>
             <a:endParaRPr lang="en-US"/>
           </a:p>
@@ -2707,7 +2708,7 @@
           <a:p>
             <a:fld id="{0CD70C51-1E5D-7A47-B5CD-97B74165E9C6}" type="datetimeFigureOut">
               <a:rPr lang="en-US" smtClean="0"/>
-              <a:t>11/20/20</a:t>
+              <a:t>11/22/20</a:t>
             </a:fld>
             <a:endParaRPr lang="en-US"/>
           </a:p>
@@ -2950,7 +2951,7 @@
           <a:p>
             <a:fld id="{0CD70C51-1E5D-7A47-B5CD-97B74165E9C6}" type="datetimeFigureOut">
               <a:rPr lang="en-US" smtClean="0"/>
-              <a:t>11/20/20</a:t>
+              <a:t>11/22/20</a:t>
             </a:fld>
             <a:endParaRPr lang="en-US"/>
           </a:p>
@@ -3462,7 +3463,7 @@
           <a:p>
             <a:r>
               <a:rPr lang="en-US" dirty="0"/>
-              <a:t>Deploying Models using Plumber</a:t>
+              <a:t>Deploying Models as Web Service using Plumber</a:t>
             </a:r>
           </a:p>
         </p:txBody>
@@ -3485,7 +3486,9 @@
         </p:nvSpPr>
         <p:spPr/>
         <p:txBody>
-          <a:bodyPr/>
+          <a:bodyPr>
+            <a:normAutofit lnSpcReduction="10000"/>
+          </a:bodyPr>
           <a:lstStyle/>
           <a:p>
             <a:r>
@@ -3505,6 +3508,31 @@
             <a:r>
               <a:rPr lang="en-US" i="1" dirty="0"/>
               <a:t> Wen Fong</a:t>
+            </a:r>
+          </a:p>
+          <a:p>
+            <a:endParaRPr lang="en-US" i="1" dirty="0"/>
+          </a:p>
+          <a:p>
+            <a:r>
+              <a:rPr lang="en-US" sz="2000" i="1" dirty="0"/>
+              <a:t>https://</a:t>
+            </a:r>
+            <a:r>
+              <a:rPr lang="en-US" sz="2000" i="1" dirty="0" err="1"/>
+              <a:t>github.com</a:t>
+            </a:r>
+            <a:r>
+              <a:rPr lang="en-US" sz="2000" i="1" dirty="0"/>
+              <a:t>/</a:t>
+            </a:r>
+            <a:r>
+              <a:rPr lang="en-US" sz="2000" i="1" dirty="0" err="1"/>
+              <a:t>raymondowf</a:t>
+            </a:r>
+            <a:r>
+              <a:rPr lang="en-US" sz="2000" i="1" dirty="0"/>
+              <a:t>/rconf-2020</a:t>
             </a:r>
           </a:p>
         </p:txBody>
@@ -3562,7 +3590,7 @@
           <a:p>
             <a:r>
               <a:rPr lang="en-US" dirty="0"/>
-              <a:t>Demo #2: More Plumber</a:t>
+              <a:t>Demo #1 (Local Machine)</a:t>
             </a:r>
           </a:p>
         </p:txBody>
@@ -3589,36 +3617,20 @@
           <a:lstStyle/>
           <a:p>
             <a:r>
-              <a:rPr lang="en-US" i="1" dirty="0"/>
-              <a:t>How does the output look like if a Web API returns a </a:t>
-            </a:r>
-            <a:r>
-              <a:rPr lang="en-US" i="1" dirty="0" err="1"/>
-              <a:t>data.frame</a:t>
-            </a:r>
-            <a:r>
-              <a:rPr lang="en-US" i="1" dirty="0"/>
-              <a:t>?</a:t>
-            </a:r>
-          </a:p>
-          <a:p>
-            <a:r>
-              <a:rPr lang="en-US" i="1" dirty="0"/>
-              <a:t>Can a Web API return an output in formats, such as HTML, CSV, </a:t>
-            </a:r>
-            <a:r>
-              <a:rPr lang="en-US" i="1" dirty="0" err="1"/>
-              <a:t>etc</a:t>
-            </a:r>
-            <a:r>
-              <a:rPr lang="en-US" i="1" dirty="0"/>
-              <a:t>?</a:t>
-            </a:r>
-          </a:p>
-          <a:p>
-            <a:r>
-              <a:rPr lang="en-US" i="1" dirty="0"/>
-              <a:t>Can I build a ”pipeline” in handling incoming request?</a:t>
+              <a:rPr lang="en-US" dirty="0"/>
+              <a:t>Create new Web APIs using Plumber and RStudio</a:t>
+            </a:r>
+          </a:p>
+          <a:p>
+            <a:r>
+              <a:rPr lang="en-US" dirty="0"/>
+              <a:t>Publish the Web APIs using RStudio on local machine</a:t>
+            </a:r>
+          </a:p>
+          <a:p>
+            <a:r>
+              <a:rPr lang="en-US" dirty="0"/>
+              <a:t>Test the Web APIs and observe the output</a:t>
             </a:r>
           </a:p>
         </p:txBody>
@@ -3626,7 +3638,7 @@
     </p:spTree>
     <p:extLst>
       <p:ext uri="{BB962C8B-B14F-4D97-AF65-F5344CB8AC3E}">
-        <p14:creationId xmlns:p14="http://schemas.microsoft.com/office/powerpoint/2010/main" val="2653491339"/>
+        <p14:creationId xmlns:p14="http://schemas.microsoft.com/office/powerpoint/2010/main" val="4271932470"/>
       </p:ext>
     </p:extLst>
   </p:cSld>
@@ -3671,14 +3683,12 @@
         </p:nvSpPr>
         <p:spPr/>
         <p:txBody>
-          <a:bodyPr>
-            <a:normAutofit/>
-          </a:bodyPr>
-          <a:lstStyle/>
-          <a:p>
-            <a:r>
-              <a:rPr lang="en-US" sz="4000" dirty="0"/>
-              <a:t>Demo #3: Connecting a ML model with Web API</a:t>
+          <a:bodyPr/>
+          <a:lstStyle/>
+          <a:p>
+            <a:r>
+              <a:rPr lang="en-US" dirty="0"/>
+              <a:t>Demo #2: More “Plumbing” work…</a:t>
             </a:r>
           </a:p>
         </p:txBody>
@@ -3706,19 +3716,35 @@
           <a:p>
             <a:r>
               <a:rPr lang="en-US" i="1" dirty="0"/>
-              <a:t>Train a model using random forest that classifies species of iris (flower)</a:t>
-            </a:r>
-          </a:p>
-          <a:p>
+              <a:t>How does the output look like if a Web API returns a </a:t>
+            </a:r>
+            <a:r>
+              <a:rPr lang="en-US" i="1" dirty="0" err="1"/>
+              <a:t>data.frame</a:t>
+            </a:r>
             <a:r>
               <a:rPr lang="en-US" i="1" dirty="0"/>
-              <a:t>Save the model</a:t>
+              <a:t>?</a:t>
             </a:r>
           </a:p>
           <a:p>
             <a:r>
               <a:rPr lang="en-US" i="1" dirty="0"/>
-              <a:t>Setup a Web API that returns the prediction of the species given sepal’s length and width, and petal’s length and width.</a:t>
+              <a:t>Can a Web API return an output in formats, such as HTML, CSV, </a:t>
+            </a:r>
+            <a:r>
+              <a:rPr lang="en-US" i="1" dirty="0" err="1"/>
+              <a:t>etc</a:t>
+            </a:r>
+            <a:r>
+              <a:rPr lang="en-US" i="1" dirty="0"/>
+              <a:t>?</a:t>
+            </a:r>
+          </a:p>
+          <a:p>
+            <a:r>
+              <a:rPr lang="en-US" i="1" dirty="0"/>
+              <a:t>Can I build a ”pipeline” in handling incoming request?</a:t>
             </a:r>
           </a:p>
         </p:txBody>
@@ -3726,7 +3752,7 @@
     </p:spTree>
     <p:extLst>
       <p:ext uri="{BB962C8B-B14F-4D97-AF65-F5344CB8AC3E}">
-        <p14:creationId xmlns:p14="http://schemas.microsoft.com/office/powerpoint/2010/main" val="934790379"/>
+        <p14:creationId xmlns:p14="http://schemas.microsoft.com/office/powerpoint/2010/main" val="2653491339"/>
       </p:ext>
     </p:extLst>
   </p:cSld>
@@ -3758,7 +3784,7 @@
           <p:cNvPr id="2" name="Title 1">
             <a:extLst>
               <a:ext uri="{FF2B5EF4-FFF2-40B4-BE49-F238E27FC236}">
-                <a16:creationId xmlns:a16="http://schemas.microsoft.com/office/drawing/2014/main" id="{75D52FB6-660B-A848-A28A-4F793DBBE37A}"/>
+                <a16:creationId xmlns:a16="http://schemas.microsoft.com/office/drawing/2014/main" id="{D8412CEB-5DEB-2A48-9AE6-0DE1C0AF33FA}"/>
               </a:ext>
             </a:extLst>
           </p:cNvPr>
@@ -3771,75 +3797,64 @@
         </p:nvSpPr>
         <p:spPr/>
         <p:txBody>
+          <a:bodyPr>
+            <a:normAutofit/>
+          </a:bodyPr>
+          <a:lstStyle/>
+          <a:p>
+            <a:r>
+              <a:rPr lang="en-US" sz="4000" dirty="0"/>
+              <a:t>Demo #3: Connecting a ML model with Web API</a:t>
+            </a:r>
+          </a:p>
+        </p:txBody>
+      </p:sp>
+      <p:sp>
+        <p:nvSpPr>
+          <p:cNvPr id="3" name="Content Placeholder 2">
+            <a:extLst>
+              <a:ext uri="{FF2B5EF4-FFF2-40B4-BE49-F238E27FC236}">
+                <a16:creationId xmlns:a16="http://schemas.microsoft.com/office/drawing/2014/main" id="{28FF3E59-44CE-FD48-ADC2-2AAE87B42E01}"/>
+              </a:ext>
+            </a:extLst>
+          </p:cNvPr>
+          <p:cNvSpPr>
+            <a:spLocks noGrp="1"/>
+          </p:cNvSpPr>
+          <p:nvPr>
+            <p:ph idx="1"/>
+          </p:nvPr>
+        </p:nvSpPr>
+        <p:spPr/>
+        <p:txBody>
           <a:bodyPr/>
           <a:lstStyle/>
           <a:p>
             <a:r>
-              <a:rPr lang="en-US" dirty="0"/>
-              <a:t>Packaging Web APIs into Docker Image</a:t>
-            </a:r>
-          </a:p>
-        </p:txBody>
-      </p:sp>
-      <p:sp>
-        <p:nvSpPr>
-          <p:cNvPr id="3" name="Content Placeholder 2">
-            <a:extLst>
-              <a:ext uri="{FF2B5EF4-FFF2-40B4-BE49-F238E27FC236}">
-                <a16:creationId xmlns:a16="http://schemas.microsoft.com/office/drawing/2014/main" id="{8EE9C49C-C941-5543-B07D-A5F21CAA7AAF}"/>
-              </a:ext>
-            </a:extLst>
-          </p:cNvPr>
-          <p:cNvSpPr>
-            <a:spLocks noGrp="1"/>
-          </p:cNvSpPr>
-          <p:nvPr>
-            <p:ph idx="1"/>
-          </p:nvPr>
-        </p:nvSpPr>
-        <p:spPr/>
-        <p:txBody>
-          <a:bodyPr/>
-          <a:lstStyle/>
-          <a:p>
-            <a:r>
-              <a:rPr lang="en-US" dirty="0"/>
-              <a:t>What do you need?</a:t>
-            </a:r>
-          </a:p>
-          <a:p>
-            <a:pPr lvl="1"/>
-            <a:r>
-              <a:rPr lang="en-US" dirty="0"/>
-              <a:t>Docker</a:t>
-            </a:r>
-          </a:p>
-          <a:p>
-            <a:pPr lvl="1"/>
-            <a:r>
-              <a:rPr lang="en-US" dirty="0" err="1"/>
-              <a:t>Dockerfile</a:t>
-            </a:r>
-            <a:endParaRPr lang="en-US" dirty="0"/>
-          </a:p>
-          <a:p>
-            <a:pPr lvl="1"/>
-            <a:endParaRPr lang="en-US" dirty="0"/>
-          </a:p>
-          <a:p>
-            <a:r>
-              <a:rPr lang="en-US" dirty="0"/>
-              <a:t>What is Docker?</a:t>
+              <a:rPr lang="en-US" i="1" dirty="0"/>
+              <a:t>Train a model using random forest that classifies species of iris (flower)</a:t>
+            </a:r>
+          </a:p>
+          <a:p>
+            <a:r>
+              <a:rPr lang="en-US" i="1" dirty="0"/>
+              <a:t>Save the model</a:t>
+            </a:r>
+          </a:p>
+          <a:p>
+            <a:r>
+              <a:rPr lang="en-US" i="1" dirty="0"/>
+              <a:t>Setup a Web API that returns the prediction of the species given sepal’s length and width, and petal’s length and width.</a:t>
             </a:r>
           </a:p>
         </p:txBody>
       </p:sp>
       <p:pic>
         <p:nvPicPr>
-          <p:cNvPr id="5" name="Picture 4">
-            <a:extLst>
-              <a:ext uri="{FF2B5EF4-FFF2-40B4-BE49-F238E27FC236}">
-                <a16:creationId xmlns:a16="http://schemas.microsoft.com/office/drawing/2014/main" id="{D530214B-97FD-864E-B611-1808DC465E21}"/>
+          <p:cNvPr id="4" name="Picture 3">
+            <a:extLst>
+              <a:ext uri="{FF2B5EF4-FFF2-40B4-BE49-F238E27FC236}">
+                <a16:creationId xmlns:a16="http://schemas.microsoft.com/office/drawing/2014/main" id="{9395906C-D037-EE47-932F-1CAD97CF5FF2}"/>
               </a:ext>
             </a:extLst>
           </p:cNvPr>
@@ -3856,18 +3871,69 @@
         </p:blipFill>
         <p:spPr>
           <a:xfrm>
-            <a:off x="7881713" y="1508940"/>
-            <a:ext cx="3034302" cy="2591800"/>
+            <a:off x="5805376" y="4042263"/>
+            <a:ext cx="5075865" cy="2269637"/>
           </a:xfrm>
           <a:prstGeom prst="rect">
             <a:avLst/>
           </a:prstGeom>
         </p:spPr>
       </p:pic>
+      <p:sp>
+        <p:nvSpPr>
+          <p:cNvPr id="5" name="TextBox 4">
+            <a:extLst>
+              <a:ext uri="{FF2B5EF4-FFF2-40B4-BE49-F238E27FC236}">
+                <a16:creationId xmlns:a16="http://schemas.microsoft.com/office/drawing/2014/main" id="{FF97EE58-F01C-C145-A141-F88525B98238}"/>
+              </a:ext>
+            </a:extLst>
+          </p:cNvPr>
+          <p:cNvSpPr txBox="1"/>
+          <p:nvPr/>
+        </p:nvSpPr>
+        <p:spPr>
+          <a:xfrm>
+            <a:off x="3231839" y="6213156"/>
+            <a:ext cx="7649402" cy="307777"/>
+          </a:xfrm>
+          <a:prstGeom prst="rect">
+            <a:avLst/>
+          </a:prstGeom>
+          <a:noFill/>
+        </p:spPr>
+        <p:txBody>
+          <a:bodyPr wrap="none" rtlCol="0">
+            <a:spAutoFit/>
+          </a:bodyPr>
+          <a:lstStyle/>
+          <a:p>
+            <a:r>
+              <a:rPr lang="en-US" sz="1400" i="1" dirty="0"/>
+              <a:t>Figure from: https://</a:t>
+            </a:r>
+            <a:r>
+              <a:rPr lang="en-US" sz="1400" i="1" dirty="0" err="1"/>
+              <a:t>medium.com</a:t>
+            </a:r>
+            <a:r>
+              <a:rPr lang="en-US" sz="1400" i="1" dirty="0"/>
+              <a:t>/@</a:t>
+            </a:r>
+            <a:r>
+              <a:rPr lang="en-US" sz="1400" i="1" dirty="0" err="1"/>
+              <a:t>Nivitus</a:t>
+            </a:r>
+            <a:r>
+              <a:rPr lang="en-US" sz="1400" i="1" dirty="0"/>
+              <a:t>./iris-flower-classification-machine-learning-d4e337140fa4</a:t>
+            </a:r>
+          </a:p>
+        </p:txBody>
+      </p:sp>
     </p:spTree>
     <p:extLst>
       <p:ext uri="{BB962C8B-B14F-4D97-AF65-F5344CB8AC3E}">
-        <p14:creationId xmlns:p14="http://schemas.microsoft.com/office/powerpoint/2010/main" val="2754044518"/>
+        <p14:creationId xmlns:p14="http://schemas.microsoft.com/office/powerpoint/2010/main" val="934790379"/>
       </p:ext>
     </p:extLst>
   </p:cSld>
@@ -3899,6 +3965,277 @@
           <p:cNvPr id="2" name="Title 1">
             <a:extLst>
               <a:ext uri="{FF2B5EF4-FFF2-40B4-BE49-F238E27FC236}">
+                <a16:creationId xmlns:a16="http://schemas.microsoft.com/office/drawing/2014/main" id="{75D52FB6-660B-A848-A28A-4F793DBBE37A}"/>
+              </a:ext>
+            </a:extLst>
+          </p:cNvPr>
+          <p:cNvSpPr>
+            <a:spLocks noGrp="1"/>
+          </p:cNvSpPr>
+          <p:nvPr>
+            <p:ph type="title"/>
+          </p:nvPr>
+        </p:nvSpPr>
+        <p:spPr/>
+        <p:txBody>
+          <a:bodyPr/>
+          <a:lstStyle/>
+          <a:p>
+            <a:r>
+              <a:rPr lang="en-US" dirty="0"/>
+              <a:t>Deploying Web APIs to a Docker Container</a:t>
+            </a:r>
+          </a:p>
+        </p:txBody>
+      </p:sp>
+      <p:sp>
+        <p:nvSpPr>
+          <p:cNvPr id="3" name="Content Placeholder 2">
+            <a:extLst>
+              <a:ext uri="{FF2B5EF4-FFF2-40B4-BE49-F238E27FC236}">
+                <a16:creationId xmlns:a16="http://schemas.microsoft.com/office/drawing/2014/main" id="{8EE9C49C-C941-5543-B07D-A5F21CAA7AAF}"/>
+              </a:ext>
+            </a:extLst>
+          </p:cNvPr>
+          <p:cNvSpPr>
+            <a:spLocks noGrp="1"/>
+          </p:cNvSpPr>
+          <p:nvPr>
+            <p:ph idx="1"/>
+          </p:nvPr>
+        </p:nvSpPr>
+        <p:spPr/>
+        <p:txBody>
+          <a:bodyPr/>
+          <a:lstStyle/>
+          <a:p>
+            <a:r>
+              <a:rPr lang="en-US" dirty="0">
+                <a:solidFill>
+                  <a:schemeClr val="bg1">
+                    <a:lumMod val="50000"/>
+                  </a:schemeClr>
+                </a:solidFill>
+                <a:latin typeface="Arial" panose="020B0604020202020204" pitchFamily="34" charset="0"/>
+                <a:cs typeface="Arial" panose="020B0604020202020204" pitchFamily="34" charset="0"/>
+              </a:rPr>
+              <a:t>What is Docker?</a:t>
+            </a:r>
+            <a:br>
+              <a:rPr lang="en-US" dirty="0">
+                <a:solidFill>
+                  <a:schemeClr val="bg1">
+                    <a:lumMod val="50000"/>
+                  </a:schemeClr>
+                </a:solidFill>
+                <a:latin typeface="Arial" panose="020B0604020202020204" pitchFamily="34" charset="0"/>
+                <a:cs typeface="Arial" panose="020B0604020202020204" pitchFamily="34" charset="0"/>
+              </a:rPr>
+            </a:br>
+            <a:r>
+              <a:rPr lang="en-SG" sz="1800" dirty="0">
+                <a:solidFill>
+                  <a:schemeClr val="bg1">
+                    <a:lumMod val="50000"/>
+                  </a:schemeClr>
+                </a:solidFill>
+                <a:latin typeface="Arial" panose="020B0604020202020204" pitchFamily="34" charset="0"/>
+                <a:cs typeface="Arial" panose="020B0604020202020204" pitchFamily="34" charset="0"/>
+              </a:rPr>
+              <a:t>An open platform for developing, shipping, and running applications.</a:t>
+            </a:r>
+          </a:p>
+          <a:p>
+            <a:endParaRPr lang="en-SG" sz="1800" dirty="0">
+              <a:solidFill>
+                <a:schemeClr val="bg1">
+                  <a:lumMod val="50000"/>
+                </a:schemeClr>
+              </a:solidFill>
+              <a:latin typeface="Arial" panose="020B0604020202020204" pitchFamily="34" charset="0"/>
+              <a:cs typeface="Arial" panose="020B0604020202020204" pitchFamily="34" charset="0"/>
+            </a:endParaRPr>
+          </a:p>
+          <a:p>
+            <a:r>
+              <a:rPr lang="en-SG" dirty="0">
+                <a:solidFill>
+                  <a:schemeClr val="bg1">
+                    <a:lumMod val="50000"/>
+                  </a:schemeClr>
+                </a:solidFill>
+                <a:latin typeface="Arial" panose="020B0604020202020204" pitchFamily="34" charset="0"/>
+                <a:cs typeface="Arial" panose="020B0604020202020204" pitchFamily="34" charset="0"/>
+              </a:rPr>
+              <a:t>What is Docker Container?</a:t>
+            </a:r>
+            <a:br>
+              <a:rPr lang="en-SG" dirty="0">
+                <a:solidFill>
+                  <a:schemeClr val="bg1">
+                    <a:lumMod val="50000"/>
+                  </a:schemeClr>
+                </a:solidFill>
+                <a:latin typeface="Arial" panose="020B0604020202020204" pitchFamily="34" charset="0"/>
+                <a:cs typeface="Arial" panose="020B0604020202020204" pitchFamily="34" charset="0"/>
+              </a:rPr>
+            </a:br>
+            <a:r>
+              <a:rPr lang="en-SG" sz="1800" dirty="0">
+                <a:solidFill>
+                  <a:schemeClr val="bg1">
+                    <a:lumMod val="50000"/>
+                  </a:schemeClr>
+                </a:solidFill>
+              </a:rPr>
+              <a:t>A standard unit of software that packages up code and all its dependencies</a:t>
+            </a:r>
+          </a:p>
+          <a:p>
+            <a:endParaRPr lang="en-SG" sz="1800" dirty="0">
+              <a:solidFill>
+                <a:schemeClr val="bg1">
+                  <a:lumMod val="50000"/>
+                </a:schemeClr>
+              </a:solidFill>
+              <a:latin typeface="Arial" panose="020B0604020202020204" pitchFamily="34" charset="0"/>
+              <a:cs typeface="Arial" panose="020B0604020202020204" pitchFamily="34" charset="0"/>
+            </a:endParaRPr>
+          </a:p>
+          <a:p>
+            <a:r>
+              <a:rPr lang="en-US" dirty="0">
+                <a:solidFill>
+                  <a:schemeClr val="bg1">
+                    <a:lumMod val="50000"/>
+                  </a:schemeClr>
+                </a:solidFill>
+                <a:latin typeface="Arial" panose="020B0604020202020204" pitchFamily="34" charset="0"/>
+                <a:cs typeface="Arial" panose="020B0604020202020204" pitchFamily="34" charset="0"/>
+              </a:rPr>
+              <a:t>What do you need?</a:t>
+            </a:r>
+          </a:p>
+          <a:p>
+            <a:pPr lvl="1"/>
+            <a:r>
+              <a:rPr lang="en-US" dirty="0">
+                <a:solidFill>
+                  <a:schemeClr val="bg1">
+                    <a:lumMod val="50000"/>
+                  </a:schemeClr>
+                </a:solidFill>
+                <a:latin typeface="Arial" panose="020B0604020202020204" pitchFamily="34" charset="0"/>
+                <a:cs typeface="Arial" panose="020B0604020202020204" pitchFamily="34" charset="0"/>
+              </a:rPr>
+              <a:t>Docker program</a:t>
+            </a:r>
+          </a:p>
+          <a:p>
+            <a:pPr lvl="1"/>
+            <a:r>
+              <a:rPr lang="en-US" dirty="0" err="1">
+                <a:solidFill>
+                  <a:schemeClr val="bg1">
+                    <a:lumMod val="50000"/>
+                  </a:schemeClr>
+                </a:solidFill>
+                <a:latin typeface="Arial" panose="020B0604020202020204" pitchFamily="34" charset="0"/>
+                <a:cs typeface="Arial" panose="020B0604020202020204" pitchFamily="34" charset="0"/>
+              </a:rPr>
+              <a:t>Dockerfile</a:t>
+            </a:r>
+            <a:r>
+              <a:rPr lang="en-US" dirty="0">
+                <a:solidFill>
+                  <a:schemeClr val="bg1">
+                    <a:lumMod val="50000"/>
+                  </a:schemeClr>
+                </a:solidFill>
+                <a:latin typeface="Arial" panose="020B0604020202020204" pitchFamily="34" charset="0"/>
+                <a:cs typeface="Arial" panose="020B0604020202020204" pitchFamily="34" charset="0"/>
+              </a:rPr>
+              <a:t> – a recipe for building a Docker image.</a:t>
+            </a:r>
+          </a:p>
+          <a:p>
+            <a:endParaRPr lang="en-SG" dirty="0">
+              <a:solidFill>
+                <a:schemeClr val="bg1">
+                  <a:lumMod val="50000"/>
+                </a:schemeClr>
+              </a:solidFill>
+              <a:latin typeface="Arial" panose="020B0604020202020204" pitchFamily="34" charset="0"/>
+              <a:cs typeface="Arial" panose="020B0604020202020204" pitchFamily="34" charset="0"/>
+            </a:endParaRPr>
+          </a:p>
+        </p:txBody>
+      </p:sp>
+      <p:pic>
+        <p:nvPicPr>
+          <p:cNvPr id="5" name="Picture 4">
+            <a:extLst>
+              <a:ext uri="{FF2B5EF4-FFF2-40B4-BE49-F238E27FC236}">
+                <a16:creationId xmlns:a16="http://schemas.microsoft.com/office/drawing/2014/main" id="{D530214B-97FD-864E-B611-1808DC465E21}"/>
+              </a:ext>
+            </a:extLst>
+          </p:cNvPr>
+          <p:cNvPicPr>
+            <a:picLocks noChangeAspect="1"/>
+          </p:cNvPicPr>
+          <p:nvPr/>
+        </p:nvPicPr>
+        <p:blipFill>
+          <a:blip r:embed="rId2"/>
+          <a:stretch>
+            <a:fillRect/>
+          </a:stretch>
+        </p:blipFill>
+        <p:spPr>
+          <a:xfrm>
+            <a:off x="8881174" y="1433517"/>
+            <a:ext cx="2336175" cy="1995483"/>
+          </a:xfrm>
+          <a:prstGeom prst="rect">
+            <a:avLst/>
+          </a:prstGeom>
+        </p:spPr>
+      </p:pic>
+    </p:spTree>
+    <p:extLst>
+      <p:ext uri="{BB962C8B-B14F-4D97-AF65-F5344CB8AC3E}">
+        <p14:creationId xmlns:p14="http://schemas.microsoft.com/office/powerpoint/2010/main" val="2754044518"/>
+      </p:ext>
+    </p:extLst>
+  </p:cSld>
+  <p:clrMapOvr>
+    <a:masterClrMapping/>
+  </p:clrMapOvr>
+</p:sld>
+</file>
+
+<file path=ppt/slides/slide14.xml><?xml version="1.0" encoding="utf-8"?>
+<p:sld xmlns:a="http://schemas.openxmlformats.org/drawingml/2006/main" xmlns:r="http://schemas.openxmlformats.org/officeDocument/2006/relationships" xmlns:p="http://schemas.openxmlformats.org/presentationml/2006/main">
+  <p:cSld>
+    <p:spTree>
+      <p:nvGrpSpPr>
+        <p:cNvPr id="1" name=""/>
+        <p:cNvGrpSpPr/>
+        <p:nvPr/>
+      </p:nvGrpSpPr>
+      <p:grpSpPr>
+        <a:xfrm>
+          <a:off x="0" y="0"/>
+          <a:ext cx="0" cy="0"/>
+          <a:chOff x="0" y="0"/>
+          <a:chExt cx="0" cy="0"/>
+        </a:xfrm>
+      </p:grpSpPr>
+      <p:sp>
+        <p:nvSpPr>
+          <p:cNvPr id="2" name="Title 1">
+            <a:extLst>
+              <a:ext uri="{FF2B5EF4-FFF2-40B4-BE49-F238E27FC236}">
                 <a16:creationId xmlns:a16="http://schemas.microsoft.com/office/drawing/2014/main" id="{84170F36-4C14-4645-840C-A36765BB3C73}"/>
               </a:ext>
             </a:extLst>
@@ -3917,8 +4254,13 @@
           <a:p>
             <a:r>
               <a:rPr lang="en-US" dirty="0"/>
-              <a:t>Demo #4 (Building a Docker Image)</a:t>
-            </a:r>
+              <a:t>Demo #4 </a:t>
+            </a:r>
+            <a:r>
+              <a:rPr lang="en-US" sz="3600" dirty="0"/>
+              <a:t>(Deploying Web APIs to Docker Container)</a:t>
+            </a:r>
+            <a:endParaRPr lang="en-US" dirty="0"/>
           </a:p>
         </p:txBody>
       </p:sp>
@@ -3973,7 +4315,7 @@
           <a:p>
             <a:r>
               <a:rPr lang="en-US" dirty="0"/>
-              <a:t>Run the image</a:t>
+              <a:t>Run the image as Docker Container</a:t>
             </a:r>
           </a:p>
           <a:p>
@@ -4003,7 +4345,7 @@
 </p:sld>
 </file>
 
-<file path=ppt/slides/slide14.xml><?xml version="1.0" encoding="utf-8"?>
+<file path=ppt/slides/slide15.xml><?xml version="1.0" encoding="utf-8"?>
 <p:sld xmlns:a="http://schemas.openxmlformats.org/drawingml/2006/main" xmlns:r="http://schemas.openxmlformats.org/officeDocument/2006/relationships" xmlns:p="http://schemas.openxmlformats.org/presentationml/2006/main">
   <p:cSld>
     <p:spTree>
@@ -4235,7 +4577,7 @@
 </p:sld>
 </file>
 
-<file path=ppt/slides/slide15.xml><?xml version="1.0" encoding="utf-8"?>
+<file path=ppt/slides/slide16.xml><?xml version="1.0" encoding="utf-8"?>
 <p:sld xmlns:a="http://schemas.openxmlformats.org/drawingml/2006/main" xmlns:r="http://schemas.openxmlformats.org/officeDocument/2006/relationships" xmlns:p="http://schemas.openxmlformats.org/presentationml/2006/main">
   <p:cSld>
     <p:spTree>
@@ -4550,7 +4892,7 @@
 </p:sld>
 </file>
 
-<file path=ppt/slides/slide16.xml><?xml version="1.0" encoding="utf-8"?>
+<file path=ppt/slides/slide17.xml><?xml version="1.0" encoding="utf-8"?>
 <p:sld xmlns:a="http://schemas.openxmlformats.org/drawingml/2006/main" xmlns:r="http://schemas.openxmlformats.org/officeDocument/2006/relationships" xmlns:p="http://schemas.openxmlformats.org/presentationml/2006/main">
   <p:cSld>
     <p:spTree>
@@ -4653,7 +4995,7 @@
         </p:blipFill>
         <p:spPr bwMode="auto">
           <a:xfrm>
-            <a:off x="1013254" y="1859880"/>
+            <a:off x="1943986" y="1859880"/>
             <a:ext cx="5918886" cy="1116727"/>
           </a:xfrm>
           <a:prstGeom prst="rect">
@@ -4685,8 +5027,8 @@
         </p:nvSpPr>
         <p:spPr>
           <a:xfrm>
-            <a:off x="1987422" y="2976607"/>
-            <a:ext cx="7292502" cy="1287468"/>
+            <a:off x="1970663" y="3007995"/>
+            <a:ext cx="5918886" cy="1287468"/>
           </a:xfrm>
           <a:prstGeom prst="rect">
             <a:avLst/>
@@ -4757,161 +5099,6 @@
     <p:extLst>
       <p:ext uri="{BB962C8B-B14F-4D97-AF65-F5344CB8AC3E}">
         <p14:creationId xmlns:p14="http://schemas.microsoft.com/office/powerpoint/2010/main" val="4040514856"/>
-      </p:ext>
-    </p:extLst>
-  </p:cSld>
-  <p:clrMapOvr>
-    <a:masterClrMapping/>
-  </p:clrMapOvr>
-</p:sld>
-</file>
-
-<file path=ppt/slides/slide17.xml><?xml version="1.0" encoding="utf-8"?>
-<p:sld xmlns:a="http://schemas.openxmlformats.org/drawingml/2006/main" xmlns:r="http://schemas.openxmlformats.org/officeDocument/2006/relationships" xmlns:p="http://schemas.openxmlformats.org/presentationml/2006/main">
-  <p:cSld>
-    <p:spTree>
-      <p:nvGrpSpPr>
-        <p:cNvPr id="1" name=""/>
-        <p:cNvGrpSpPr/>
-        <p:nvPr/>
-      </p:nvGrpSpPr>
-      <p:grpSpPr>
-        <a:xfrm>
-          <a:off x="0" y="0"/>
-          <a:ext cx="0" cy="0"/>
-          <a:chOff x="0" y="0"/>
-          <a:chExt cx="0" cy="0"/>
-        </a:xfrm>
-      </p:grpSpPr>
-      <p:sp>
-        <p:nvSpPr>
-          <p:cNvPr id="2" name="Title 1">
-            <a:extLst>
-              <a:ext uri="{FF2B5EF4-FFF2-40B4-BE49-F238E27FC236}">
-                <a16:creationId xmlns:a16="http://schemas.microsoft.com/office/drawing/2014/main" id="{9F066A96-C817-B244-9F7C-291EAFC4581D}"/>
-              </a:ext>
-            </a:extLst>
-          </p:cNvPr>
-          <p:cNvSpPr>
-            <a:spLocks noGrp="1"/>
-          </p:cNvSpPr>
-          <p:nvPr>
-            <p:ph type="title"/>
-          </p:nvPr>
-        </p:nvSpPr>
-        <p:spPr/>
-        <p:txBody>
-          <a:bodyPr/>
-          <a:lstStyle/>
-          <a:p>
-            <a:r>
-              <a:rPr lang="en-US" dirty="0"/>
-              <a:t>Demo (Deploy API to Amazon Web Services)</a:t>
-            </a:r>
-          </a:p>
-        </p:txBody>
-      </p:sp>
-      <p:sp>
-        <p:nvSpPr>
-          <p:cNvPr id="3" name="Content Placeholder 2">
-            <a:extLst>
-              <a:ext uri="{FF2B5EF4-FFF2-40B4-BE49-F238E27FC236}">
-                <a16:creationId xmlns:a16="http://schemas.microsoft.com/office/drawing/2014/main" id="{61700977-F2FD-384D-A2E3-E6A5D666F178}"/>
-              </a:ext>
-            </a:extLst>
-          </p:cNvPr>
-          <p:cNvSpPr>
-            <a:spLocks noGrp="1"/>
-          </p:cNvSpPr>
-          <p:nvPr>
-            <p:ph idx="1"/>
-          </p:nvPr>
-        </p:nvSpPr>
-        <p:spPr/>
-        <p:txBody>
-          <a:bodyPr>
-            <a:normAutofit fontScale="92500" lnSpcReduction="20000"/>
-          </a:bodyPr>
-          <a:lstStyle/>
-          <a:p>
-            <a:r>
-              <a:rPr lang="en-US" dirty="0"/>
-              <a:t>Login the AWS Console</a:t>
-            </a:r>
-          </a:p>
-          <a:p>
-            <a:r>
-              <a:rPr lang="en-US" dirty="0"/>
-              <a:t>Choose “Elastic Container Service”</a:t>
-            </a:r>
-          </a:p>
-          <a:p>
-            <a:r>
-              <a:rPr lang="en-US" dirty="0"/>
-              <a:t>Create a cluster</a:t>
-            </a:r>
-          </a:p>
-          <a:p>
-            <a:r>
-              <a:rPr lang="en-US" dirty="0"/>
-              <a:t>Choose the option powered by AWS </a:t>
-            </a:r>
-            <a:r>
-              <a:rPr lang="en-US" dirty="0" err="1"/>
-              <a:t>Fargate</a:t>
-            </a:r>
-            <a:endParaRPr lang="en-US" dirty="0"/>
-          </a:p>
-          <a:p>
-            <a:r>
-              <a:rPr lang="en-US" dirty="0"/>
-              <a:t>Create a new task definition and select ”</a:t>
-            </a:r>
-            <a:r>
-              <a:rPr lang="en-US" dirty="0" err="1"/>
-              <a:t>Fargate</a:t>
-            </a:r>
-            <a:r>
-              <a:rPr lang="en-US" dirty="0"/>
-              <a:t>”</a:t>
-            </a:r>
-          </a:p>
-          <a:p>
-            <a:r>
-              <a:rPr lang="en-US" dirty="0"/>
-              <a:t>Specify task size – choose the smallest for memory and vCPU</a:t>
-            </a:r>
-          </a:p>
-          <a:p>
-            <a:r>
-              <a:rPr lang="en-US" dirty="0"/>
-              <a:t>Add container</a:t>
-            </a:r>
-          </a:p>
-          <a:p>
-            <a:r>
-              <a:rPr lang="en-US" dirty="0"/>
-              <a:t>Select the task and “Run Task” from “Actions”</a:t>
-            </a:r>
-          </a:p>
-          <a:p>
-            <a:r>
-              <a:rPr lang="en-US" dirty="0"/>
-              <a:t>Choose VPC and Security Group</a:t>
-            </a:r>
-          </a:p>
-          <a:p>
-            <a:r>
-              <a:rPr lang="en-US" dirty="0"/>
-              <a:t>Update Security Group so that the inbound rules include the permission for accessing the port 8000</a:t>
-            </a:r>
-          </a:p>
-        </p:txBody>
-      </p:sp>
-    </p:spTree>
-    <p:extLst>
-      <p:ext uri="{BB962C8B-B14F-4D97-AF65-F5344CB8AC3E}">
-        <p14:creationId xmlns:p14="http://schemas.microsoft.com/office/powerpoint/2010/main" val="922474066"/>
       </p:ext>
     </p:extLst>
   </p:cSld>
@@ -4943,7 +5130,7 @@
           <p:cNvPr id="2" name="Title 1">
             <a:extLst>
               <a:ext uri="{FF2B5EF4-FFF2-40B4-BE49-F238E27FC236}">
-                <a16:creationId xmlns:a16="http://schemas.microsoft.com/office/drawing/2014/main" id="{ACD75451-3E38-A744-BEE2-9A3B2DE7E08B}"/>
+                <a16:creationId xmlns:a16="http://schemas.microsoft.com/office/drawing/2014/main" id="{9F066A96-C817-B244-9F7C-291EAFC4581D}"/>
               </a:ext>
             </a:extLst>
           </p:cNvPr>
@@ -4961,7 +5148,7 @@
           <a:p>
             <a:r>
               <a:rPr lang="en-US" dirty="0"/>
-              <a:t>Security</a:t>
+              <a:t>Demo (Deploy API to Amazon Web Services)</a:t>
             </a:r>
           </a:p>
         </p:txBody>
@@ -4971,7 +5158,7 @@
           <p:cNvPr id="3" name="Content Placeholder 2">
             <a:extLst>
               <a:ext uri="{FF2B5EF4-FFF2-40B4-BE49-F238E27FC236}">
-                <a16:creationId xmlns:a16="http://schemas.microsoft.com/office/drawing/2014/main" id="{7E802155-9D96-7546-8555-7736A36BC8AE}"/>
+                <a16:creationId xmlns:a16="http://schemas.microsoft.com/office/drawing/2014/main" id="{61700977-F2FD-384D-A2E3-E6A5D666F178}"/>
               </a:ext>
             </a:extLst>
           </p:cNvPr>
@@ -4984,97 +5171,89 @@
         </p:nvSpPr>
         <p:spPr/>
         <p:txBody>
-          <a:bodyPr/>
-          <a:lstStyle/>
-          <a:p>
-            <a:r>
-              <a:rPr lang="en-SG" dirty="0"/>
-              <a:t>Denial Of Service (DoS)</a:t>
-            </a:r>
-          </a:p>
-          <a:p>
-            <a:r>
-              <a:rPr lang="en-SG" dirty="0"/>
-              <a:t>Sanitization &amp; Injection</a:t>
-            </a:r>
-          </a:p>
-          <a:p>
-            <a:r>
-              <a:rPr lang="en-SG" dirty="0"/>
-              <a:t>Cross-Origin Resource Sharing (CORS)</a:t>
-            </a:r>
-          </a:p>
-          <a:p>
+          <a:bodyPr>
+            <a:normAutofit fontScale="92500" lnSpcReduction="20000"/>
+          </a:bodyPr>
+          <a:lstStyle/>
+          <a:p>
+            <a:r>
+              <a:rPr lang="en-US" dirty="0"/>
+              <a:t>Login the AWS Console</a:t>
+            </a:r>
+          </a:p>
+          <a:p>
+            <a:r>
+              <a:rPr lang="en-US" dirty="0"/>
+              <a:t>Choose “Elastic Container Service”</a:t>
+            </a:r>
+          </a:p>
+          <a:p>
+            <a:r>
+              <a:rPr lang="en-US" dirty="0"/>
+              <a:t>Create a cluster</a:t>
+            </a:r>
+          </a:p>
+          <a:p>
+            <a:r>
+              <a:rPr lang="en-US" dirty="0"/>
+              <a:t>Choose the option powered by AWS </a:t>
+            </a:r>
+            <a:r>
+              <a:rPr lang="en-US" dirty="0" err="1"/>
+              <a:t>Fargate</a:t>
+            </a:r>
             <a:endParaRPr lang="en-US" dirty="0"/>
           </a:p>
-        </p:txBody>
-      </p:sp>
-      <p:sp>
-        <p:nvSpPr>
-          <p:cNvPr id="4" name="Rectangle 3">
-            <a:extLst>
-              <a:ext uri="{FF2B5EF4-FFF2-40B4-BE49-F238E27FC236}">
-                <a16:creationId xmlns:a16="http://schemas.microsoft.com/office/drawing/2014/main" id="{25EAADEB-F942-A24D-8ECB-56BA6A9A1265}"/>
-              </a:ext>
-            </a:extLst>
-          </p:cNvPr>
-          <p:cNvSpPr/>
-          <p:nvPr/>
-        </p:nvSpPr>
-        <p:spPr>
-          <a:xfrm>
-            <a:off x="838200" y="6311900"/>
-            <a:ext cx="5138523" cy="307777"/>
-          </a:xfrm>
-          <a:prstGeom prst="rect">
-            <a:avLst/>
-          </a:prstGeom>
-        </p:spPr>
-        <p:txBody>
-          <a:bodyPr wrap="none">
-            <a:spAutoFit/>
-          </a:bodyPr>
-          <a:lstStyle/>
-          <a:p>
-            <a:r>
-              <a:rPr lang="en-US" sz="1400" i="1" dirty="0">
-                <a:latin typeface="Arial" panose="020B0604020202020204" pitchFamily="34" charset="0"/>
-                <a:cs typeface="Arial" panose="020B0604020202020204" pitchFamily="34" charset="0"/>
-              </a:rPr>
-              <a:t>More information: https://</a:t>
-            </a:r>
-            <a:r>
-              <a:rPr lang="en-US" sz="1400" i="1" dirty="0" err="1">
-                <a:latin typeface="Arial" panose="020B0604020202020204" pitchFamily="34" charset="0"/>
-                <a:cs typeface="Arial" panose="020B0604020202020204" pitchFamily="34" charset="0"/>
-              </a:rPr>
-              <a:t>www.rplumber.io</a:t>
-            </a:r>
-            <a:r>
-              <a:rPr lang="en-US" sz="1400" i="1" dirty="0">
-                <a:latin typeface="Arial" panose="020B0604020202020204" pitchFamily="34" charset="0"/>
-                <a:cs typeface="Arial" panose="020B0604020202020204" pitchFamily="34" charset="0"/>
-              </a:rPr>
-              <a:t>/articles/</a:t>
-            </a:r>
-            <a:r>
-              <a:rPr lang="en-US" sz="1400" i="1" dirty="0" err="1">
-                <a:latin typeface="Arial" panose="020B0604020202020204" pitchFamily="34" charset="0"/>
-                <a:cs typeface="Arial" panose="020B0604020202020204" pitchFamily="34" charset="0"/>
-              </a:rPr>
-              <a:t>security.html</a:t>
-            </a:r>
-            <a:endParaRPr lang="en-US" sz="1400" i="1" dirty="0">
-              <a:latin typeface="Arial" panose="020B0604020202020204" pitchFamily="34" charset="0"/>
-              <a:cs typeface="Arial" panose="020B0604020202020204" pitchFamily="34" charset="0"/>
-            </a:endParaRPr>
+          <a:p>
+            <a:r>
+              <a:rPr lang="en-US" dirty="0"/>
+              <a:t>Create a new task definition and select ”</a:t>
+            </a:r>
+            <a:r>
+              <a:rPr lang="en-US" dirty="0" err="1"/>
+              <a:t>Fargate</a:t>
+            </a:r>
+            <a:r>
+              <a:rPr lang="en-US" dirty="0"/>
+              <a:t>”</a:t>
+            </a:r>
+          </a:p>
+          <a:p>
+            <a:r>
+              <a:rPr lang="en-US" dirty="0"/>
+              <a:t>Specify task size – choose the smallest for memory and vCPU</a:t>
+            </a:r>
+          </a:p>
+          <a:p>
+            <a:r>
+              <a:rPr lang="en-US" dirty="0"/>
+              <a:t>Add container</a:t>
+            </a:r>
+          </a:p>
+          <a:p>
+            <a:r>
+              <a:rPr lang="en-US" dirty="0"/>
+              <a:t>Select the task and “Run Task” from “Actions”</a:t>
+            </a:r>
+          </a:p>
+          <a:p>
+            <a:r>
+              <a:rPr lang="en-US" dirty="0"/>
+              <a:t>Choose VPC and Security Group</a:t>
+            </a:r>
+          </a:p>
+          <a:p>
+            <a:r>
+              <a:rPr lang="en-US" dirty="0"/>
+              <a:t>Update Security Group so that the inbound rules include the permission for accessing the port 8000</a:t>
+            </a:r>
           </a:p>
         </p:txBody>
       </p:sp>
     </p:spTree>
     <p:extLst>
       <p:ext uri="{BB962C8B-B14F-4D97-AF65-F5344CB8AC3E}">
-        <p14:creationId xmlns:p14="http://schemas.microsoft.com/office/powerpoint/2010/main" val="1266013813"/>
+        <p14:creationId xmlns:p14="http://schemas.microsoft.com/office/powerpoint/2010/main" val="922474066"/>
       </p:ext>
     </p:extLst>
   </p:cSld>
@@ -5124,7 +5303,7 @@
           <a:p>
             <a:r>
               <a:rPr lang="en-US" dirty="0"/>
-              <a:t>Summary</a:t>
+              <a:t>Summary (I)</a:t>
             </a:r>
           </a:p>
         </p:txBody>
@@ -5147,24 +5326,32 @@
         </p:nvSpPr>
         <p:spPr/>
         <p:txBody>
-          <a:bodyPr/>
+          <a:bodyPr>
+            <a:normAutofit/>
+          </a:bodyPr>
           <a:lstStyle/>
           <a:p>
             <a:r>
               <a:rPr lang="en-US" dirty="0"/>
-              <a:t>R functions can be easily transformed into web APIs using Plumber.</a:t>
+              <a:t>Transforming R functions into web APIs is easy using Plumber.</a:t>
             </a:r>
           </a:p>
           <a:p>
             <a:r>
               <a:rPr lang="en-US" dirty="0"/>
-              <a:t>These web APIs can be packaged into Docker’s image and then be deployed into public cloud platforms.</a:t>
+              <a:t>Making R functions accessible beyond local host could be challenging as it requires knowledge beyond R programming.</a:t>
             </a:r>
           </a:p>
           <a:p>
             <a:r>
               <a:rPr lang="en-US" dirty="0"/>
-              <a:t>Security measures protecting the web APIs from malicious attacks deserve more attention.</a:t>
+              <a:t>Docker Container is a convenient way to package code and required dependencies into an executable unit and be deployed in multiple platforms, being on premise or public cloud platforms.</a:t>
+            </a:r>
+          </a:p>
+          <a:p>
+            <a:r>
+              <a:rPr lang="en-US" dirty="0"/>
+              <a:t>Deployment of web APIs connecting to R models/functions via Plumber was demonstrated using Docker, Heroku and AWS.</a:t>
             </a:r>
           </a:p>
         </p:txBody>
@@ -5332,6 +5519,226 @@
           <a:p>
             <a:r>
               <a:rPr lang="en-US" dirty="0"/>
+              <a:t>Summary (II)</a:t>
+            </a:r>
+          </a:p>
+        </p:txBody>
+      </p:sp>
+      <p:sp>
+        <p:nvSpPr>
+          <p:cNvPr id="3" name="Content Placeholder 2">
+            <a:extLst>
+              <a:ext uri="{FF2B5EF4-FFF2-40B4-BE49-F238E27FC236}">
+                <a16:creationId xmlns:a16="http://schemas.microsoft.com/office/drawing/2014/main" id="{7E802155-9D96-7546-8555-7736A36BC8AE}"/>
+              </a:ext>
+            </a:extLst>
+          </p:cNvPr>
+          <p:cNvSpPr>
+            <a:spLocks noGrp="1"/>
+          </p:cNvSpPr>
+          <p:nvPr>
+            <p:ph idx="1"/>
+          </p:nvPr>
+        </p:nvSpPr>
+        <p:spPr>
+          <a:xfrm>
+            <a:off x="838200" y="1783093"/>
+            <a:ext cx="10515600" cy="4351338"/>
+          </a:xfrm>
+        </p:spPr>
+        <p:txBody>
+          <a:bodyPr/>
+          <a:lstStyle/>
+          <a:p>
+            <a:r>
+              <a:rPr lang="en-SG" dirty="0"/>
+              <a:t>A few important aspects deserve attentions but not discussed in this presentation. These include</a:t>
+            </a:r>
+          </a:p>
+          <a:p>
+            <a:pPr lvl="1"/>
+            <a:r>
+              <a:rPr lang="en-SG" dirty="0"/>
+              <a:t>Measures protecting web APIs</a:t>
+            </a:r>
+          </a:p>
+          <a:p>
+            <a:pPr lvl="1"/>
+            <a:r>
+              <a:rPr lang="en-SG" dirty="0"/>
+              <a:t>Possible security issues</a:t>
+            </a:r>
+          </a:p>
+          <a:p>
+            <a:pPr lvl="2"/>
+            <a:r>
+              <a:rPr lang="en-SG" dirty="0"/>
+              <a:t>Denial Of Service (DoS)</a:t>
+            </a:r>
+          </a:p>
+          <a:p>
+            <a:pPr lvl="2"/>
+            <a:r>
+              <a:rPr lang="en-SG" dirty="0"/>
+              <a:t>Sanitization &amp; Injection</a:t>
+            </a:r>
+          </a:p>
+          <a:p>
+            <a:pPr lvl="2"/>
+            <a:r>
+              <a:rPr lang="en-SG" dirty="0"/>
+              <a:t>Cross-Origin Resource Sharing (CORS)</a:t>
+            </a:r>
+          </a:p>
+          <a:p>
+            <a:pPr lvl="1"/>
+            <a:r>
+              <a:rPr lang="en-SG" dirty="0"/>
+              <a:t>Scalability of web APIs</a:t>
+            </a:r>
+          </a:p>
+          <a:p>
+            <a:pPr lvl="1"/>
+            <a:r>
+              <a:rPr lang="en-SG" dirty="0"/>
+              <a:t>Model monitoring and update</a:t>
+            </a:r>
+          </a:p>
+          <a:p>
+            <a:pPr lvl="1"/>
+            <a:r>
+              <a:rPr lang="en-SG" dirty="0"/>
+              <a:t>Deployment of models using ML platforms, such as Microsoft Azure ML, AWS </a:t>
+            </a:r>
+            <a:r>
+              <a:rPr lang="en-SG" dirty="0" err="1"/>
+              <a:t>Sagemaker</a:t>
+            </a:r>
+            <a:r>
+              <a:rPr lang="en-SG" dirty="0"/>
+              <a:t>.</a:t>
+            </a:r>
+          </a:p>
+          <a:p>
+            <a:endParaRPr lang="en-US" dirty="0"/>
+          </a:p>
+        </p:txBody>
+      </p:sp>
+      <p:sp>
+        <p:nvSpPr>
+          <p:cNvPr id="4" name="Rectangle 3">
+            <a:extLst>
+              <a:ext uri="{FF2B5EF4-FFF2-40B4-BE49-F238E27FC236}">
+                <a16:creationId xmlns:a16="http://schemas.microsoft.com/office/drawing/2014/main" id="{25EAADEB-F942-A24D-8ECB-56BA6A9A1265}"/>
+              </a:ext>
+            </a:extLst>
+          </p:cNvPr>
+          <p:cNvSpPr/>
+          <p:nvPr/>
+        </p:nvSpPr>
+        <p:spPr>
+          <a:xfrm>
+            <a:off x="838200" y="6311900"/>
+            <a:ext cx="5138523" cy="307777"/>
+          </a:xfrm>
+          <a:prstGeom prst="rect">
+            <a:avLst/>
+          </a:prstGeom>
+        </p:spPr>
+        <p:txBody>
+          <a:bodyPr wrap="none">
+            <a:spAutoFit/>
+          </a:bodyPr>
+          <a:lstStyle/>
+          <a:p>
+            <a:r>
+              <a:rPr lang="en-US" sz="1400" i="1" dirty="0">
+                <a:latin typeface="Arial" panose="020B0604020202020204" pitchFamily="34" charset="0"/>
+                <a:cs typeface="Arial" panose="020B0604020202020204" pitchFamily="34" charset="0"/>
+              </a:rPr>
+              <a:t>More information: https://</a:t>
+            </a:r>
+            <a:r>
+              <a:rPr lang="en-US" sz="1400" i="1" dirty="0" err="1">
+                <a:latin typeface="Arial" panose="020B0604020202020204" pitchFamily="34" charset="0"/>
+                <a:cs typeface="Arial" panose="020B0604020202020204" pitchFamily="34" charset="0"/>
+              </a:rPr>
+              <a:t>www.rplumber.io</a:t>
+            </a:r>
+            <a:r>
+              <a:rPr lang="en-US" sz="1400" i="1" dirty="0">
+                <a:latin typeface="Arial" panose="020B0604020202020204" pitchFamily="34" charset="0"/>
+                <a:cs typeface="Arial" panose="020B0604020202020204" pitchFamily="34" charset="0"/>
+              </a:rPr>
+              <a:t>/articles/</a:t>
+            </a:r>
+            <a:r>
+              <a:rPr lang="en-US" sz="1400" i="1" dirty="0" err="1">
+                <a:latin typeface="Arial" panose="020B0604020202020204" pitchFamily="34" charset="0"/>
+                <a:cs typeface="Arial" panose="020B0604020202020204" pitchFamily="34" charset="0"/>
+              </a:rPr>
+              <a:t>security.html</a:t>
+            </a:r>
+            <a:endParaRPr lang="en-US" sz="1400" i="1" dirty="0">
+              <a:latin typeface="Arial" panose="020B0604020202020204" pitchFamily="34" charset="0"/>
+              <a:cs typeface="Arial" panose="020B0604020202020204" pitchFamily="34" charset="0"/>
+            </a:endParaRPr>
+          </a:p>
+        </p:txBody>
+      </p:sp>
+    </p:spTree>
+    <p:extLst>
+      <p:ext uri="{BB962C8B-B14F-4D97-AF65-F5344CB8AC3E}">
+        <p14:creationId xmlns:p14="http://schemas.microsoft.com/office/powerpoint/2010/main" val="1266013813"/>
+      </p:ext>
+    </p:extLst>
+  </p:cSld>
+  <p:clrMapOvr>
+    <a:masterClrMapping/>
+  </p:clrMapOvr>
+</p:sld>
+</file>
+
+<file path=ppt/slides/slide21.xml><?xml version="1.0" encoding="utf-8"?>
+<p:sld xmlns:a="http://schemas.openxmlformats.org/drawingml/2006/main" xmlns:r="http://schemas.openxmlformats.org/officeDocument/2006/relationships" xmlns:p="http://schemas.openxmlformats.org/presentationml/2006/main">
+  <p:cSld>
+    <p:spTree>
+      <p:nvGrpSpPr>
+        <p:cNvPr id="1" name=""/>
+        <p:cNvGrpSpPr/>
+        <p:nvPr/>
+      </p:nvGrpSpPr>
+      <p:grpSpPr>
+        <a:xfrm>
+          <a:off x="0" y="0"/>
+          <a:ext cx="0" cy="0"/>
+          <a:chOff x="0" y="0"/>
+          <a:chExt cx="0" cy="0"/>
+        </a:xfrm>
+      </p:grpSpPr>
+      <p:sp>
+        <p:nvSpPr>
+          <p:cNvPr id="2" name="Title 1">
+            <a:extLst>
+              <a:ext uri="{FF2B5EF4-FFF2-40B4-BE49-F238E27FC236}">
+                <a16:creationId xmlns:a16="http://schemas.microsoft.com/office/drawing/2014/main" id="{ACD75451-3E38-A744-BEE2-9A3B2DE7E08B}"/>
+              </a:ext>
+            </a:extLst>
+          </p:cNvPr>
+          <p:cNvSpPr>
+            <a:spLocks noGrp="1"/>
+          </p:cNvSpPr>
+          <p:nvPr>
+            <p:ph type="title"/>
+          </p:nvPr>
+        </p:nvSpPr>
+        <p:spPr/>
+        <p:txBody>
+          <a:bodyPr/>
+          <a:lstStyle/>
+          <a:p>
+            <a:r>
+              <a:rPr lang="en-US" dirty="0"/>
               <a:t>Useful Links</a:t>
             </a:r>
           </a:p>
@@ -5393,7 +5800,7 @@
 </p:sld>
 </file>
 
-<file path=ppt/slides/slide21.xml><?xml version="1.0" encoding="utf-8"?>
+<file path=ppt/slides/slide22.xml><?xml version="1.0" encoding="utf-8"?>
 <p:sld xmlns:a="http://schemas.openxmlformats.org/drawingml/2006/main" xmlns:r="http://schemas.openxmlformats.org/officeDocument/2006/relationships" xmlns:p="http://schemas.openxmlformats.org/presentationml/2006/main">
   <p:cSld>
     <p:spTree>
@@ -5633,6 +6040,917 @@
 </file>
 
 <file path=ppt/slides/slide4.xml><?xml version="1.0" encoding="utf-8"?>
+<p:sld xmlns:a="http://schemas.openxmlformats.org/drawingml/2006/main" xmlns:r="http://schemas.openxmlformats.org/officeDocument/2006/relationships" xmlns:p="http://schemas.openxmlformats.org/presentationml/2006/main">
+  <p:cSld>
+    <p:spTree>
+      <p:nvGrpSpPr>
+        <p:cNvPr id="1" name=""/>
+        <p:cNvGrpSpPr/>
+        <p:nvPr/>
+      </p:nvGrpSpPr>
+      <p:grpSpPr>
+        <a:xfrm>
+          <a:off x="0" y="0"/>
+          <a:ext cx="0" cy="0"/>
+          <a:chOff x="0" y="0"/>
+          <a:chExt cx="0" cy="0"/>
+        </a:xfrm>
+      </p:grpSpPr>
+      <p:sp>
+        <p:nvSpPr>
+          <p:cNvPr id="2" name="Title 1">
+            <a:extLst>
+              <a:ext uri="{FF2B5EF4-FFF2-40B4-BE49-F238E27FC236}">
+                <a16:creationId xmlns:a16="http://schemas.microsoft.com/office/drawing/2014/main" id="{534725D8-8B76-E047-A5C6-564758501686}"/>
+              </a:ext>
+            </a:extLst>
+          </p:cNvPr>
+          <p:cNvSpPr>
+            <a:spLocks noGrp="1"/>
+          </p:cNvSpPr>
+          <p:nvPr>
+            <p:ph type="title"/>
+          </p:nvPr>
+        </p:nvSpPr>
+        <p:spPr/>
+        <p:txBody>
+          <a:bodyPr/>
+          <a:lstStyle/>
+          <a:p>
+            <a:r>
+              <a:rPr lang="en-US" dirty="0"/>
+              <a:t>Data Science Life Cycle with stakeholders</a:t>
+            </a:r>
+          </a:p>
+        </p:txBody>
+      </p:sp>
+      <p:pic>
+        <p:nvPicPr>
+          <p:cNvPr id="1026" name="Picture 2" descr="TDSP lifecycle">
+            <a:extLst>
+              <a:ext uri="{FF2B5EF4-FFF2-40B4-BE49-F238E27FC236}">
+                <a16:creationId xmlns:a16="http://schemas.microsoft.com/office/drawing/2014/main" id="{EAB75210-BA08-4A45-88B0-43947A456FDB}"/>
+              </a:ext>
+            </a:extLst>
+          </p:cNvPr>
+          <p:cNvPicPr>
+            <a:picLocks noChangeAspect="1" noChangeArrowheads="1"/>
+          </p:cNvPicPr>
+          <p:nvPr/>
+        </p:nvPicPr>
+        <p:blipFill rotWithShape="1">
+          <a:blip r:embed="rId2">
+            <a:extLst>
+              <a:ext uri="{28A0092B-C50C-407E-A947-70E740481C1C}">
+                <a14:useLocalDpi xmlns:a14="http://schemas.microsoft.com/office/drawing/2010/main" val="0"/>
+              </a:ext>
+            </a:extLst>
+          </a:blip>
+          <a:srcRect t="7191"/>
+          <a:stretch/>
+        </p:blipFill>
+        <p:spPr bwMode="auto">
+          <a:xfrm>
+            <a:off x="2384500" y="1353627"/>
+            <a:ext cx="7422999" cy="5139248"/>
+          </a:xfrm>
+          <a:prstGeom prst="rect">
+            <a:avLst/>
+          </a:prstGeom>
+          <a:noFill/>
+          <a:extLst>
+            <a:ext uri="{909E8E84-426E-40DD-AFC4-6F175D3DCCD1}">
+              <a14:hiddenFill xmlns:a14="http://schemas.microsoft.com/office/drawing/2010/main">
+                <a:solidFill>
+                  <a:srgbClr val="FFFFFF"/>
+                </a:solidFill>
+              </a14:hiddenFill>
+            </a:ext>
+          </a:extLst>
+        </p:spPr>
+      </p:pic>
+      <p:sp>
+        <p:nvSpPr>
+          <p:cNvPr id="4" name="TextBox 3">
+            <a:extLst>
+              <a:ext uri="{FF2B5EF4-FFF2-40B4-BE49-F238E27FC236}">
+                <a16:creationId xmlns:a16="http://schemas.microsoft.com/office/drawing/2014/main" id="{A4368D10-C68F-A94F-B6BB-544FEB79D178}"/>
+              </a:ext>
+            </a:extLst>
+          </p:cNvPr>
+          <p:cNvSpPr txBox="1"/>
+          <p:nvPr/>
+        </p:nvSpPr>
+        <p:spPr>
+          <a:xfrm>
+            <a:off x="90001" y="6492875"/>
+            <a:ext cx="8236935" cy="307777"/>
+          </a:xfrm>
+          <a:prstGeom prst="rect">
+            <a:avLst/>
+          </a:prstGeom>
+          <a:noFill/>
+        </p:spPr>
+        <p:txBody>
+          <a:bodyPr wrap="none" rtlCol="0">
+            <a:spAutoFit/>
+          </a:bodyPr>
+          <a:lstStyle/>
+          <a:p>
+            <a:r>
+              <a:rPr lang="en-US" sz="1400" dirty="0"/>
+              <a:t>Diagram from: https://</a:t>
+            </a:r>
+            <a:r>
+              <a:rPr lang="en-US" sz="1400" dirty="0" err="1"/>
+              <a:t>docs.microsoft.com</a:t>
+            </a:r>
+            <a:r>
+              <a:rPr lang="en-US" sz="1400" dirty="0"/>
+              <a:t>/</a:t>
+            </a:r>
+            <a:r>
+              <a:rPr lang="en-US" sz="1400" dirty="0" err="1"/>
+              <a:t>en</a:t>
+            </a:r>
+            <a:r>
+              <a:rPr lang="en-US" sz="1400" dirty="0"/>
+              <a:t>-us/azure/machine-learning/team-data-science-process/lifecycle</a:t>
+            </a:r>
+          </a:p>
+        </p:txBody>
+      </p:sp>
+      <p:grpSp>
+        <p:nvGrpSpPr>
+          <p:cNvPr id="6" name="Group 5">
+            <a:extLst>
+              <a:ext uri="{FF2B5EF4-FFF2-40B4-BE49-F238E27FC236}">
+                <a16:creationId xmlns:a16="http://schemas.microsoft.com/office/drawing/2014/main" id="{3C59EBCA-B102-4445-B256-EF43A0F75268}"/>
+              </a:ext>
+            </a:extLst>
+          </p:cNvPr>
+          <p:cNvGrpSpPr/>
+          <p:nvPr/>
+        </p:nvGrpSpPr>
+        <p:grpSpPr>
+          <a:xfrm>
+            <a:off x="6109539" y="1179709"/>
+            <a:ext cx="735564" cy="735564"/>
+            <a:chOff x="7134334" y="465916"/>
+            <a:chExt cx="735564" cy="735564"/>
+          </a:xfrm>
+        </p:grpSpPr>
+        <p:pic>
+          <p:nvPicPr>
+            <p:cNvPr id="3" name="Picture 2">
+              <a:extLst>
+                <a:ext uri="{FF2B5EF4-FFF2-40B4-BE49-F238E27FC236}">
+                  <a16:creationId xmlns:a16="http://schemas.microsoft.com/office/drawing/2014/main" id="{EFA6FCE0-C1F1-1243-BB61-D4F1905CDDFC}"/>
+                </a:ext>
+              </a:extLst>
+            </p:cNvPr>
+            <p:cNvPicPr>
+              <a:picLocks noChangeAspect="1"/>
+            </p:cNvPicPr>
+            <p:nvPr/>
+          </p:nvPicPr>
+          <p:blipFill>
+            <a:blip r:embed="rId3">
+              <a:extLst>
+                <a:ext uri="{BEBA8EAE-BF5A-486C-A8C5-ECC9F3942E4B}">
+                  <a14:imgProps xmlns:a14="http://schemas.microsoft.com/office/drawing/2010/main">
+                    <a14:imgLayer r:embed="rId4">
+                      <a14:imgEffect>
+                        <a14:backgroundRemoval t="7556" b="92000" l="9778" r="89778">
+                          <a14:foregroundMark x1="40000" y1="11111" x2="40000" y2="11111"/>
+                          <a14:foregroundMark x1="30667" y1="92444" x2="30667" y2="92444"/>
+                          <a14:foregroundMark x1="49333" y1="7556" x2="49333" y2="7556"/>
+                        </a14:backgroundRemoval>
+                      </a14:imgEffect>
+                    </a14:imgLayer>
+                  </a14:imgProps>
+                </a:ext>
+              </a:extLst>
+            </a:blip>
+            <a:stretch>
+              <a:fillRect/>
+            </a:stretch>
+          </p:blipFill>
+          <p:spPr>
+            <a:xfrm>
+              <a:off x="7134334" y="465916"/>
+              <a:ext cx="735564" cy="735564"/>
+            </a:xfrm>
+            <a:prstGeom prst="rect">
+              <a:avLst/>
+            </a:prstGeom>
+          </p:spPr>
+        </p:pic>
+        <p:sp>
+          <p:nvSpPr>
+            <p:cNvPr id="5" name="TextBox 4">
+              <a:extLst>
+                <a:ext uri="{FF2B5EF4-FFF2-40B4-BE49-F238E27FC236}">
+                  <a16:creationId xmlns:a16="http://schemas.microsoft.com/office/drawing/2014/main" id="{81E4D3EB-930E-AA44-9610-D98F8B28CFAC}"/>
+                </a:ext>
+              </a:extLst>
+            </p:cNvPr>
+            <p:cNvSpPr txBox="1"/>
+            <p:nvPr/>
+          </p:nvSpPr>
+          <p:spPr>
+            <a:xfrm>
+              <a:off x="7341724" y="574159"/>
+              <a:ext cx="329609" cy="369332"/>
+            </a:xfrm>
+            <a:prstGeom prst="rect">
+              <a:avLst/>
+            </a:prstGeom>
+            <a:noFill/>
+          </p:spPr>
+          <p:txBody>
+            <a:bodyPr wrap="square" rtlCol="0">
+              <a:spAutoFit/>
+            </a:bodyPr>
+            <a:lstStyle/>
+            <a:p>
+              <a:r>
+                <a:rPr lang="en-US" b="1" dirty="0">
+                  <a:latin typeface="Arial" panose="020B0604020202020204" pitchFamily="34" charset="0"/>
+                  <a:cs typeface="Arial" panose="020B0604020202020204" pitchFamily="34" charset="0"/>
+                </a:rPr>
+                <a:t>B</a:t>
+              </a:r>
+            </a:p>
+          </p:txBody>
+        </p:sp>
+      </p:grpSp>
+      <p:grpSp>
+        <p:nvGrpSpPr>
+          <p:cNvPr id="7" name="Group 6">
+            <a:extLst>
+              <a:ext uri="{FF2B5EF4-FFF2-40B4-BE49-F238E27FC236}">
+                <a16:creationId xmlns:a16="http://schemas.microsoft.com/office/drawing/2014/main" id="{98D115B7-4270-2446-9788-7EE8C3CE97A7}"/>
+              </a:ext>
+            </a:extLst>
+          </p:cNvPr>
+          <p:cNvGrpSpPr/>
+          <p:nvPr/>
+        </p:nvGrpSpPr>
+        <p:grpSpPr>
+          <a:xfrm>
+            <a:off x="6684124" y="1322031"/>
+            <a:ext cx="735564" cy="735564"/>
+            <a:chOff x="7136251" y="1069144"/>
+            <a:chExt cx="735564" cy="735564"/>
+          </a:xfrm>
+        </p:grpSpPr>
+        <p:pic>
+          <p:nvPicPr>
+            <p:cNvPr id="9" name="Picture 8">
+              <a:extLst>
+                <a:ext uri="{FF2B5EF4-FFF2-40B4-BE49-F238E27FC236}">
+                  <a16:creationId xmlns:a16="http://schemas.microsoft.com/office/drawing/2014/main" id="{0560758A-66AE-0E42-AE9B-A2586C3F4CBF}"/>
+                </a:ext>
+              </a:extLst>
+            </p:cNvPr>
+            <p:cNvPicPr>
+              <a:picLocks noChangeAspect="1"/>
+            </p:cNvPicPr>
+            <p:nvPr/>
+          </p:nvPicPr>
+          <p:blipFill>
+            <a:blip r:embed="rId3">
+              <a:extLst>
+                <a:ext uri="{BEBA8EAE-BF5A-486C-A8C5-ECC9F3942E4B}">
+                  <a14:imgProps xmlns:a14="http://schemas.microsoft.com/office/drawing/2010/main">
+                    <a14:imgLayer r:embed="rId5">
+                      <a14:imgEffect>
+                        <a14:backgroundRemoval t="7556" b="92000" l="9778" r="89778">
+                          <a14:foregroundMark x1="40000" y1="11111" x2="40000" y2="11111"/>
+                          <a14:foregroundMark x1="30667" y1="92444" x2="30667" y2="92444"/>
+                          <a14:foregroundMark x1="49333" y1="7556" x2="49333" y2="7556"/>
+                        </a14:backgroundRemoval>
+                      </a14:imgEffect>
+                    </a14:imgLayer>
+                  </a14:imgProps>
+                </a:ext>
+              </a:extLst>
+            </a:blip>
+            <a:stretch>
+              <a:fillRect/>
+            </a:stretch>
+          </p:blipFill>
+          <p:spPr>
+            <a:xfrm>
+              <a:off x="7136251" y="1069144"/>
+              <a:ext cx="735564" cy="735564"/>
+            </a:xfrm>
+            <a:prstGeom prst="rect">
+              <a:avLst/>
+            </a:prstGeom>
+          </p:spPr>
+        </p:pic>
+        <p:sp>
+          <p:nvSpPr>
+            <p:cNvPr id="10" name="TextBox 9">
+              <a:extLst>
+                <a:ext uri="{FF2B5EF4-FFF2-40B4-BE49-F238E27FC236}">
+                  <a16:creationId xmlns:a16="http://schemas.microsoft.com/office/drawing/2014/main" id="{F45A84D9-D8ED-3346-9F54-C5B3AAAD3B5E}"/>
+                </a:ext>
+              </a:extLst>
+            </p:cNvPr>
+            <p:cNvSpPr txBox="1"/>
+            <p:nvPr/>
+          </p:nvSpPr>
+          <p:spPr>
+            <a:xfrm>
+              <a:off x="7258577" y="1177387"/>
+              <a:ext cx="528174" cy="338554"/>
+            </a:xfrm>
+            <a:prstGeom prst="rect">
+              <a:avLst/>
+            </a:prstGeom>
+            <a:noFill/>
+          </p:spPr>
+          <p:txBody>
+            <a:bodyPr wrap="square" rtlCol="0">
+              <a:spAutoFit/>
+            </a:bodyPr>
+            <a:lstStyle/>
+            <a:p>
+              <a:r>
+                <a:rPr lang="en-US" sz="1600" b="1" dirty="0">
+                  <a:latin typeface="Arial" panose="020B0604020202020204" pitchFamily="34" charset="0"/>
+                  <a:cs typeface="Arial" panose="020B0604020202020204" pitchFamily="34" charset="0"/>
+                </a:rPr>
+                <a:t>PM</a:t>
+              </a:r>
+            </a:p>
+          </p:txBody>
+        </p:sp>
+      </p:grpSp>
+      <p:grpSp>
+        <p:nvGrpSpPr>
+          <p:cNvPr id="12" name="Group 11">
+            <a:extLst>
+              <a:ext uri="{FF2B5EF4-FFF2-40B4-BE49-F238E27FC236}">
+                <a16:creationId xmlns:a16="http://schemas.microsoft.com/office/drawing/2014/main" id="{CA836019-B8B3-644E-B833-EE0419450C81}"/>
+              </a:ext>
+            </a:extLst>
+          </p:cNvPr>
+          <p:cNvGrpSpPr/>
+          <p:nvPr/>
+        </p:nvGrpSpPr>
+        <p:grpSpPr>
+          <a:xfrm>
+            <a:off x="6745658" y="2311408"/>
+            <a:ext cx="735564" cy="735564"/>
+            <a:chOff x="7136251" y="1069144"/>
+            <a:chExt cx="735564" cy="735564"/>
+          </a:xfrm>
+        </p:grpSpPr>
+        <p:pic>
+          <p:nvPicPr>
+            <p:cNvPr id="13" name="Picture 12">
+              <a:extLst>
+                <a:ext uri="{FF2B5EF4-FFF2-40B4-BE49-F238E27FC236}">
+                  <a16:creationId xmlns:a16="http://schemas.microsoft.com/office/drawing/2014/main" id="{9A520865-76C9-3840-A854-93365305F9E5}"/>
+                </a:ext>
+              </a:extLst>
+            </p:cNvPr>
+            <p:cNvPicPr>
+              <a:picLocks noChangeAspect="1"/>
+            </p:cNvPicPr>
+            <p:nvPr/>
+          </p:nvPicPr>
+          <p:blipFill>
+            <a:blip r:embed="rId3">
+              <a:extLst>
+                <a:ext uri="{BEBA8EAE-BF5A-486C-A8C5-ECC9F3942E4B}">
+                  <a14:imgProps xmlns:a14="http://schemas.microsoft.com/office/drawing/2010/main">
+                    <a14:imgLayer r:embed="rId6">
+                      <a14:imgEffect>
+                        <a14:backgroundRemoval t="7556" b="92000" l="9778" r="89778">
+                          <a14:foregroundMark x1="40000" y1="11111" x2="40000" y2="11111"/>
+                          <a14:foregroundMark x1="30667" y1="92444" x2="30667" y2="92444"/>
+                          <a14:foregroundMark x1="49333" y1="7556" x2="49333" y2="7556"/>
+                        </a14:backgroundRemoval>
+                      </a14:imgEffect>
+                    </a14:imgLayer>
+                  </a14:imgProps>
+                </a:ext>
+              </a:extLst>
+            </a:blip>
+            <a:stretch>
+              <a:fillRect/>
+            </a:stretch>
+          </p:blipFill>
+          <p:spPr>
+            <a:xfrm>
+              <a:off x="7136251" y="1069144"/>
+              <a:ext cx="735564" cy="735564"/>
+            </a:xfrm>
+            <a:prstGeom prst="rect">
+              <a:avLst/>
+            </a:prstGeom>
+          </p:spPr>
+        </p:pic>
+        <p:sp>
+          <p:nvSpPr>
+            <p:cNvPr id="14" name="TextBox 13">
+              <a:extLst>
+                <a:ext uri="{FF2B5EF4-FFF2-40B4-BE49-F238E27FC236}">
+                  <a16:creationId xmlns:a16="http://schemas.microsoft.com/office/drawing/2014/main" id="{B281A7C6-4ED5-8B47-9563-A331462405BA}"/>
+                </a:ext>
+              </a:extLst>
+            </p:cNvPr>
+            <p:cNvSpPr txBox="1"/>
+            <p:nvPr/>
+          </p:nvSpPr>
+          <p:spPr>
+            <a:xfrm>
+              <a:off x="7269210" y="1177387"/>
+              <a:ext cx="528174" cy="338554"/>
+            </a:xfrm>
+            <a:prstGeom prst="rect">
+              <a:avLst/>
+            </a:prstGeom>
+            <a:noFill/>
+          </p:spPr>
+          <p:txBody>
+            <a:bodyPr wrap="square" rtlCol="0">
+              <a:spAutoFit/>
+            </a:bodyPr>
+            <a:lstStyle/>
+            <a:p>
+              <a:r>
+                <a:rPr lang="en-US" sz="1600" b="1" dirty="0">
+                  <a:latin typeface="Arial" panose="020B0604020202020204" pitchFamily="34" charset="0"/>
+                  <a:cs typeface="Arial" panose="020B0604020202020204" pitchFamily="34" charset="0"/>
+                </a:rPr>
+                <a:t>DA</a:t>
+              </a:r>
+            </a:p>
+          </p:txBody>
+        </p:sp>
+      </p:grpSp>
+      <p:grpSp>
+        <p:nvGrpSpPr>
+          <p:cNvPr id="15" name="Group 14">
+            <a:extLst>
+              <a:ext uri="{FF2B5EF4-FFF2-40B4-BE49-F238E27FC236}">
+                <a16:creationId xmlns:a16="http://schemas.microsoft.com/office/drawing/2014/main" id="{2ABC1D4D-B68E-544D-9E55-E481EDC3EDDF}"/>
+              </a:ext>
+            </a:extLst>
+          </p:cNvPr>
+          <p:cNvGrpSpPr/>
+          <p:nvPr/>
+        </p:nvGrpSpPr>
+        <p:grpSpPr>
+          <a:xfrm>
+            <a:off x="7316975" y="2057595"/>
+            <a:ext cx="735564" cy="735564"/>
+            <a:chOff x="7136251" y="1069144"/>
+            <a:chExt cx="735564" cy="735564"/>
+          </a:xfrm>
+        </p:grpSpPr>
+        <p:pic>
+          <p:nvPicPr>
+            <p:cNvPr id="16" name="Picture 15">
+              <a:extLst>
+                <a:ext uri="{FF2B5EF4-FFF2-40B4-BE49-F238E27FC236}">
+                  <a16:creationId xmlns:a16="http://schemas.microsoft.com/office/drawing/2014/main" id="{A8175A98-C725-4B43-9E28-6BE4F630544C}"/>
+                </a:ext>
+              </a:extLst>
+            </p:cNvPr>
+            <p:cNvPicPr>
+              <a:picLocks noChangeAspect="1"/>
+            </p:cNvPicPr>
+            <p:nvPr/>
+          </p:nvPicPr>
+          <p:blipFill>
+            <a:blip r:embed="rId3">
+              <a:extLst>
+                <a:ext uri="{BEBA8EAE-BF5A-486C-A8C5-ECC9F3942E4B}">
+                  <a14:imgProps xmlns:a14="http://schemas.microsoft.com/office/drawing/2010/main">
+                    <a14:imgLayer r:embed="rId7">
+                      <a14:imgEffect>
+                        <a14:backgroundRemoval t="7556" b="92000" l="9778" r="89778">
+                          <a14:foregroundMark x1="40000" y1="11111" x2="40000" y2="11111"/>
+                          <a14:foregroundMark x1="30667" y1="92444" x2="30667" y2="92444"/>
+                          <a14:foregroundMark x1="49333" y1="7556" x2="49333" y2="7556"/>
+                        </a14:backgroundRemoval>
+                      </a14:imgEffect>
+                    </a14:imgLayer>
+                  </a14:imgProps>
+                </a:ext>
+              </a:extLst>
+            </a:blip>
+            <a:stretch>
+              <a:fillRect/>
+            </a:stretch>
+          </p:blipFill>
+          <p:spPr>
+            <a:xfrm>
+              <a:off x="7136251" y="1069144"/>
+              <a:ext cx="735564" cy="735564"/>
+            </a:xfrm>
+            <a:prstGeom prst="rect">
+              <a:avLst/>
+            </a:prstGeom>
+          </p:spPr>
+        </p:pic>
+        <p:sp>
+          <p:nvSpPr>
+            <p:cNvPr id="17" name="TextBox 16">
+              <a:extLst>
+                <a:ext uri="{FF2B5EF4-FFF2-40B4-BE49-F238E27FC236}">
+                  <a16:creationId xmlns:a16="http://schemas.microsoft.com/office/drawing/2014/main" id="{1A2F8B6E-178B-9C46-A887-C0C5FE89CC28}"/>
+                </a:ext>
+              </a:extLst>
+            </p:cNvPr>
+            <p:cNvSpPr txBox="1"/>
+            <p:nvPr/>
+          </p:nvSpPr>
+          <p:spPr>
+            <a:xfrm>
+              <a:off x="7269210" y="1177387"/>
+              <a:ext cx="528174" cy="338554"/>
+            </a:xfrm>
+            <a:prstGeom prst="rect">
+              <a:avLst/>
+            </a:prstGeom>
+            <a:noFill/>
+          </p:spPr>
+          <p:txBody>
+            <a:bodyPr wrap="square" rtlCol="0">
+              <a:spAutoFit/>
+            </a:bodyPr>
+            <a:lstStyle/>
+            <a:p>
+              <a:r>
+                <a:rPr lang="en-US" sz="1600" b="1" dirty="0">
+                  <a:latin typeface="Arial" panose="020B0604020202020204" pitchFamily="34" charset="0"/>
+                  <a:cs typeface="Arial" panose="020B0604020202020204" pitchFamily="34" charset="0"/>
+                </a:rPr>
+                <a:t>DE</a:t>
+              </a:r>
+            </a:p>
+          </p:txBody>
+        </p:sp>
+      </p:grpSp>
+      <p:grpSp>
+        <p:nvGrpSpPr>
+          <p:cNvPr id="18" name="Group 17">
+            <a:extLst>
+              <a:ext uri="{FF2B5EF4-FFF2-40B4-BE49-F238E27FC236}">
+                <a16:creationId xmlns:a16="http://schemas.microsoft.com/office/drawing/2014/main" id="{5D1E06B6-6F99-4E4D-B6F1-01332FA11B47}"/>
+              </a:ext>
+            </a:extLst>
+          </p:cNvPr>
+          <p:cNvGrpSpPr/>
+          <p:nvPr/>
+        </p:nvGrpSpPr>
+        <p:grpSpPr>
+          <a:xfrm>
+            <a:off x="4227607" y="2346362"/>
+            <a:ext cx="735564" cy="735564"/>
+            <a:chOff x="7136251" y="1069144"/>
+            <a:chExt cx="735564" cy="735564"/>
+          </a:xfrm>
+        </p:grpSpPr>
+        <p:pic>
+          <p:nvPicPr>
+            <p:cNvPr id="19" name="Picture 18">
+              <a:extLst>
+                <a:ext uri="{FF2B5EF4-FFF2-40B4-BE49-F238E27FC236}">
+                  <a16:creationId xmlns:a16="http://schemas.microsoft.com/office/drawing/2014/main" id="{5328F502-09F7-5442-92C1-0DE719C31DF0}"/>
+                </a:ext>
+              </a:extLst>
+            </p:cNvPr>
+            <p:cNvPicPr>
+              <a:picLocks noChangeAspect="1"/>
+            </p:cNvPicPr>
+            <p:nvPr/>
+          </p:nvPicPr>
+          <p:blipFill>
+            <a:blip r:embed="rId3">
+              <a:extLst>
+                <a:ext uri="{BEBA8EAE-BF5A-486C-A8C5-ECC9F3942E4B}">
+                  <a14:imgProps xmlns:a14="http://schemas.microsoft.com/office/drawing/2010/main">
+                    <a14:imgLayer r:embed="rId8">
+                      <a14:imgEffect>
+                        <a14:backgroundRemoval t="7556" b="92000" l="9778" r="89778">
+                          <a14:foregroundMark x1="40000" y1="11111" x2="40000" y2="11111"/>
+                          <a14:foregroundMark x1="30667" y1="92444" x2="30667" y2="92444"/>
+                          <a14:foregroundMark x1="49333" y1="7556" x2="49333" y2="7556"/>
+                        </a14:backgroundRemoval>
+                      </a14:imgEffect>
+                    </a14:imgLayer>
+                  </a14:imgProps>
+                </a:ext>
+              </a:extLst>
+            </a:blip>
+            <a:stretch>
+              <a:fillRect/>
+            </a:stretch>
+          </p:blipFill>
+          <p:spPr>
+            <a:xfrm>
+              <a:off x="7136251" y="1069144"/>
+              <a:ext cx="735564" cy="735564"/>
+            </a:xfrm>
+            <a:prstGeom prst="rect">
+              <a:avLst/>
+            </a:prstGeom>
+          </p:spPr>
+        </p:pic>
+        <p:sp>
+          <p:nvSpPr>
+            <p:cNvPr id="20" name="TextBox 19">
+              <a:extLst>
+                <a:ext uri="{FF2B5EF4-FFF2-40B4-BE49-F238E27FC236}">
+                  <a16:creationId xmlns:a16="http://schemas.microsoft.com/office/drawing/2014/main" id="{411BFE7F-574E-A740-9BAB-7414E79194AB}"/>
+                </a:ext>
+              </a:extLst>
+            </p:cNvPr>
+            <p:cNvSpPr txBox="1"/>
+            <p:nvPr/>
+          </p:nvSpPr>
+          <p:spPr>
+            <a:xfrm>
+              <a:off x="7279843" y="1177387"/>
+              <a:ext cx="528174" cy="338554"/>
+            </a:xfrm>
+            <a:prstGeom prst="rect">
+              <a:avLst/>
+            </a:prstGeom>
+            <a:noFill/>
+          </p:spPr>
+          <p:txBody>
+            <a:bodyPr wrap="square" rtlCol="0">
+              <a:spAutoFit/>
+            </a:bodyPr>
+            <a:lstStyle/>
+            <a:p>
+              <a:r>
+                <a:rPr lang="en-US" sz="1600" b="1" dirty="0">
+                  <a:latin typeface="Arial" panose="020B0604020202020204" pitchFamily="34" charset="0"/>
+                  <a:cs typeface="Arial" panose="020B0604020202020204" pitchFamily="34" charset="0"/>
+                </a:rPr>
+                <a:t>DS</a:t>
+              </a:r>
+            </a:p>
+          </p:txBody>
+        </p:sp>
+      </p:grpSp>
+      <p:grpSp>
+        <p:nvGrpSpPr>
+          <p:cNvPr id="21" name="Group 20">
+            <a:extLst>
+              <a:ext uri="{FF2B5EF4-FFF2-40B4-BE49-F238E27FC236}">
+                <a16:creationId xmlns:a16="http://schemas.microsoft.com/office/drawing/2014/main" id="{2BA85C04-E02B-044B-AA7F-1C1A02273926}"/>
+              </a:ext>
+            </a:extLst>
+          </p:cNvPr>
+          <p:cNvGrpSpPr/>
+          <p:nvPr/>
+        </p:nvGrpSpPr>
+        <p:grpSpPr>
+          <a:xfrm>
+            <a:off x="6252210" y="4929265"/>
+            <a:ext cx="735564" cy="735564"/>
+            <a:chOff x="7136251" y="1069144"/>
+            <a:chExt cx="735564" cy="735564"/>
+          </a:xfrm>
+        </p:grpSpPr>
+        <p:pic>
+          <p:nvPicPr>
+            <p:cNvPr id="22" name="Picture 21">
+              <a:extLst>
+                <a:ext uri="{FF2B5EF4-FFF2-40B4-BE49-F238E27FC236}">
+                  <a16:creationId xmlns:a16="http://schemas.microsoft.com/office/drawing/2014/main" id="{99EACF07-5926-D24C-A8AC-9D0963D5380E}"/>
+                </a:ext>
+              </a:extLst>
+            </p:cNvPr>
+            <p:cNvPicPr>
+              <a:picLocks noChangeAspect="1"/>
+            </p:cNvPicPr>
+            <p:nvPr/>
+          </p:nvPicPr>
+          <p:blipFill>
+            <a:blip r:embed="rId3">
+              <a:extLst>
+                <a:ext uri="{BEBA8EAE-BF5A-486C-A8C5-ECC9F3942E4B}">
+                  <a14:imgProps xmlns:a14="http://schemas.microsoft.com/office/drawing/2010/main">
+                    <a14:imgLayer r:embed="rId9">
+                      <a14:imgEffect>
+                        <a14:backgroundRemoval t="7556" b="92000" l="9778" r="89778">
+                          <a14:foregroundMark x1="40000" y1="11111" x2="40000" y2="11111"/>
+                          <a14:foregroundMark x1="30667" y1="92444" x2="30667" y2="92444"/>
+                          <a14:foregroundMark x1="49333" y1="7556" x2="49333" y2="7556"/>
+                        </a14:backgroundRemoval>
+                      </a14:imgEffect>
+                    </a14:imgLayer>
+                  </a14:imgProps>
+                </a:ext>
+              </a:extLst>
+            </a:blip>
+            <a:stretch>
+              <a:fillRect/>
+            </a:stretch>
+          </p:blipFill>
+          <p:spPr>
+            <a:xfrm>
+              <a:off x="7136251" y="1069144"/>
+              <a:ext cx="735564" cy="735564"/>
+            </a:xfrm>
+            <a:prstGeom prst="rect">
+              <a:avLst/>
+            </a:prstGeom>
+          </p:spPr>
+        </p:pic>
+        <p:sp>
+          <p:nvSpPr>
+            <p:cNvPr id="23" name="TextBox 22">
+              <a:extLst>
+                <a:ext uri="{FF2B5EF4-FFF2-40B4-BE49-F238E27FC236}">
+                  <a16:creationId xmlns:a16="http://schemas.microsoft.com/office/drawing/2014/main" id="{B62A59DA-B669-AC4C-A975-4B43A2D1226D}"/>
+                </a:ext>
+              </a:extLst>
+            </p:cNvPr>
+            <p:cNvSpPr txBox="1"/>
+            <p:nvPr/>
+          </p:nvSpPr>
+          <p:spPr>
+            <a:xfrm>
+              <a:off x="7258577" y="1177387"/>
+              <a:ext cx="528174" cy="338554"/>
+            </a:xfrm>
+            <a:prstGeom prst="rect">
+              <a:avLst/>
+            </a:prstGeom>
+            <a:noFill/>
+          </p:spPr>
+          <p:txBody>
+            <a:bodyPr wrap="square" rtlCol="0">
+              <a:spAutoFit/>
+            </a:bodyPr>
+            <a:lstStyle/>
+            <a:p>
+              <a:r>
+                <a:rPr lang="en-US" sz="1600" b="1" dirty="0">
+                  <a:latin typeface="Arial" panose="020B0604020202020204" pitchFamily="34" charset="0"/>
+                  <a:cs typeface="Arial" panose="020B0604020202020204" pitchFamily="34" charset="0"/>
+                </a:rPr>
+                <a:t>ME</a:t>
+              </a:r>
+            </a:p>
+          </p:txBody>
+        </p:sp>
+      </p:grpSp>
+      <p:sp>
+        <p:nvSpPr>
+          <p:cNvPr id="11" name="TextBox 10">
+            <a:extLst>
+              <a:ext uri="{FF2B5EF4-FFF2-40B4-BE49-F238E27FC236}">
+                <a16:creationId xmlns:a16="http://schemas.microsoft.com/office/drawing/2014/main" id="{0235EE20-440A-2642-BFE0-0CBEA4E01FC5}"/>
+              </a:ext>
+            </a:extLst>
+          </p:cNvPr>
+          <p:cNvSpPr txBox="1"/>
+          <p:nvPr/>
+        </p:nvSpPr>
+        <p:spPr>
+          <a:xfrm>
+            <a:off x="9835955" y="2311408"/>
+            <a:ext cx="2393707" cy="1815882"/>
+          </a:xfrm>
+          <a:prstGeom prst="rect">
+            <a:avLst/>
+          </a:prstGeom>
+          <a:noFill/>
+        </p:spPr>
+        <p:txBody>
+          <a:bodyPr wrap="square" rtlCol="0">
+            <a:spAutoFit/>
+          </a:bodyPr>
+          <a:lstStyle/>
+          <a:p>
+            <a:r>
+              <a:rPr lang="en-US" sz="1600" i="1" dirty="0">
+                <a:solidFill>
+                  <a:schemeClr val="bg1">
+                    <a:lumMod val="50000"/>
+                  </a:schemeClr>
+                </a:solidFill>
+                <a:latin typeface="Arial" panose="020B0604020202020204" pitchFamily="34" charset="0"/>
+                <a:cs typeface="Arial" panose="020B0604020202020204" pitchFamily="34" charset="0"/>
+              </a:rPr>
+              <a:t>Legends:</a:t>
+            </a:r>
+          </a:p>
+          <a:p>
+            <a:r>
+              <a:rPr lang="en-US" sz="1600" dirty="0">
+                <a:solidFill>
+                  <a:schemeClr val="bg1">
+                    <a:lumMod val="50000"/>
+                  </a:schemeClr>
+                </a:solidFill>
+                <a:latin typeface="Arial" panose="020B0604020202020204" pitchFamily="34" charset="0"/>
+                <a:cs typeface="Arial" panose="020B0604020202020204" pitchFamily="34" charset="0"/>
+              </a:rPr>
+              <a:t>B: Business Users</a:t>
+            </a:r>
+          </a:p>
+          <a:p>
+            <a:r>
+              <a:rPr lang="en-US" sz="1600" dirty="0">
+                <a:solidFill>
+                  <a:schemeClr val="bg1">
+                    <a:lumMod val="50000"/>
+                  </a:schemeClr>
+                </a:solidFill>
+                <a:latin typeface="Arial" panose="020B0604020202020204" pitchFamily="34" charset="0"/>
+                <a:cs typeface="Arial" panose="020B0604020202020204" pitchFamily="34" charset="0"/>
+              </a:rPr>
+              <a:t>PM: Project Manager</a:t>
+            </a:r>
+          </a:p>
+          <a:p>
+            <a:r>
+              <a:rPr lang="en-US" sz="1600" dirty="0">
+                <a:solidFill>
+                  <a:schemeClr val="bg1">
+                    <a:lumMod val="50000"/>
+                  </a:schemeClr>
+                </a:solidFill>
+                <a:latin typeface="Arial" panose="020B0604020202020204" pitchFamily="34" charset="0"/>
+                <a:cs typeface="Arial" panose="020B0604020202020204" pitchFamily="34" charset="0"/>
+              </a:rPr>
+              <a:t>DA: Data Analyst</a:t>
+            </a:r>
+          </a:p>
+          <a:p>
+            <a:r>
+              <a:rPr lang="en-US" sz="1600" dirty="0">
+                <a:solidFill>
+                  <a:schemeClr val="bg1">
+                    <a:lumMod val="50000"/>
+                  </a:schemeClr>
+                </a:solidFill>
+                <a:latin typeface="Arial" panose="020B0604020202020204" pitchFamily="34" charset="0"/>
+                <a:cs typeface="Arial" panose="020B0604020202020204" pitchFamily="34" charset="0"/>
+              </a:rPr>
+              <a:t>DE: Data Engineer</a:t>
+            </a:r>
+          </a:p>
+          <a:p>
+            <a:r>
+              <a:rPr lang="en-US" sz="1600" dirty="0">
+                <a:solidFill>
+                  <a:schemeClr val="bg1">
+                    <a:lumMod val="50000"/>
+                  </a:schemeClr>
+                </a:solidFill>
+                <a:latin typeface="Arial" panose="020B0604020202020204" pitchFamily="34" charset="0"/>
+                <a:cs typeface="Arial" panose="020B0604020202020204" pitchFamily="34" charset="0"/>
+              </a:rPr>
+              <a:t>DS: Data Scientist</a:t>
+            </a:r>
+          </a:p>
+          <a:p>
+            <a:r>
+              <a:rPr lang="en-US" sz="1600" dirty="0">
+                <a:solidFill>
+                  <a:schemeClr val="bg1">
+                    <a:lumMod val="50000"/>
+                  </a:schemeClr>
+                </a:solidFill>
+                <a:latin typeface="Arial" panose="020B0604020202020204" pitchFamily="34" charset="0"/>
+                <a:cs typeface="Arial" panose="020B0604020202020204" pitchFamily="34" charset="0"/>
+              </a:rPr>
+              <a:t>ME: ML Engineer</a:t>
+            </a:r>
+          </a:p>
+        </p:txBody>
+      </p:sp>
+    </p:spTree>
+    <p:extLst>
+      <p:ext uri="{BB962C8B-B14F-4D97-AF65-F5344CB8AC3E}">
+        <p14:creationId xmlns:p14="http://schemas.microsoft.com/office/powerpoint/2010/main" val="1666826946"/>
+      </p:ext>
+    </p:extLst>
+  </p:cSld>
+  <p:clrMapOvr>
+    <a:masterClrMapping/>
+  </p:clrMapOvr>
+</p:sld>
+</file>
+
+<file path=ppt/slides/slide5.xml><?xml version="1.0" encoding="utf-8"?>
 <p:sld xmlns:a="http://schemas.openxmlformats.org/drawingml/2006/main" xmlns:r="http://schemas.openxmlformats.org/officeDocument/2006/relationships" xmlns:p="http://schemas.openxmlformats.org/presentationml/2006/main">
   <p:cSld>
     <p:spTree>
@@ -6156,33 +7474,7 @@
                 <a:latin typeface="Arial" panose="020B0604020202020204" pitchFamily="34" charset="0"/>
                 <a:cs typeface="Arial" panose="020B0604020202020204" pitchFamily="34" charset="0"/>
               </a:rPr>
-              <a:t>Enable data to be </a:t>
-            </a:r>
-            <a:r>
-              <a:rPr lang="en-US" dirty="0" err="1">
-                <a:solidFill>
-                  <a:schemeClr val="tx1">
-                    <a:lumMod val="50000"/>
-                    <a:lumOff val="50000"/>
-                  </a:schemeClr>
-                </a:solidFill>
-                <a:latin typeface="Arial" panose="020B0604020202020204" pitchFamily="34" charset="0"/>
-                <a:cs typeface="Arial" panose="020B0604020202020204" pitchFamily="34" charset="0"/>
-              </a:rPr>
-              <a:t>summarised</a:t>
-            </a:r>
-            <a:r>
-              <a:rPr lang="en-US" dirty="0">
-                <a:solidFill>
-                  <a:schemeClr val="tx1">
-                    <a:lumMod val="50000"/>
-                    <a:lumOff val="50000"/>
-                  </a:schemeClr>
-                </a:solidFill>
-                <a:latin typeface="Arial" panose="020B0604020202020204" pitchFamily="34" charset="0"/>
-                <a:cs typeface="Arial" panose="020B0604020202020204" pitchFamily="34" charset="0"/>
-              </a:rPr>
-              <a:t> in charts and diagrams.</a:t>
+              <a:t>Enable data to be summarized in charts and diagrams.</a:t>
             </a:r>
           </a:p>
           <a:p>
@@ -6367,154 +7659,6 @@
     <p:extLst>
       <p:ext uri="{BB962C8B-B14F-4D97-AF65-F5344CB8AC3E}">
         <p14:creationId xmlns:p14="http://schemas.microsoft.com/office/powerpoint/2010/main" val="1910207634"/>
-      </p:ext>
-    </p:extLst>
-  </p:cSld>
-  <p:clrMapOvr>
-    <a:masterClrMapping/>
-  </p:clrMapOvr>
-</p:sld>
-</file>
-
-<file path=ppt/slides/slide5.xml><?xml version="1.0" encoding="utf-8"?>
-<p:sld xmlns:a="http://schemas.openxmlformats.org/drawingml/2006/main" xmlns:r="http://schemas.openxmlformats.org/officeDocument/2006/relationships" xmlns:p="http://schemas.openxmlformats.org/presentationml/2006/main">
-  <p:cSld>
-    <p:spTree>
-      <p:nvGrpSpPr>
-        <p:cNvPr id="1" name=""/>
-        <p:cNvGrpSpPr/>
-        <p:nvPr/>
-      </p:nvGrpSpPr>
-      <p:grpSpPr>
-        <a:xfrm>
-          <a:off x="0" y="0"/>
-          <a:ext cx="0" cy="0"/>
-          <a:chOff x="0" y="0"/>
-          <a:chExt cx="0" cy="0"/>
-        </a:xfrm>
-      </p:grpSpPr>
-      <p:sp>
-        <p:nvSpPr>
-          <p:cNvPr id="2" name="Title 1">
-            <a:extLst>
-              <a:ext uri="{FF2B5EF4-FFF2-40B4-BE49-F238E27FC236}">
-                <a16:creationId xmlns:a16="http://schemas.microsoft.com/office/drawing/2014/main" id="{24FEB10B-3CCE-814A-BE36-BE9AEC7E9AD3}"/>
-              </a:ext>
-            </a:extLst>
-          </p:cNvPr>
-          <p:cNvSpPr>
-            <a:spLocks noGrp="1"/>
-          </p:cNvSpPr>
-          <p:nvPr>
-            <p:ph type="title"/>
-          </p:nvPr>
-        </p:nvSpPr>
-        <p:spPr/>
-        <p:txBody>
-          <a:bodyPr/>
-          <a:lstStyle/>
-          <a:p>
-            <a:r>
-              <a:rPr lang="en-US" dirty="0"/>
-              <a:t>API</a:t>
-            </a:r>
-          </a:p>
-        </p:txBody>
-      </p:sp>
-      <p:sp>
-        <p:nvSpPr>
-          <p:cNvPr id="3" name="Content Placeholder 2">
-            <a:extLst>
-              <a:ext uri="{FF2B5EF4-FFF2-40B4-BE49-F238E27FC236}">
-                <a16:creationId xmlns:a16="http://schemas.microsoft.com/office/drawing/2014/main" id="{FAEBBA2B-7097-A444-91DD-32291D930C8C}"/>
-              </a:ext>
-            </a:extLst>
-          </p:cNvPr>
-          <p:cNvSpPr>
-            <a:spLocks noGrp="1"/>
-          </p:cNvSpPr>
-          <p:nvPr>
-            <p:ph idx="1"/>
-          </p:nvPr>
-        </p:nvSpPr>
-        <p:spPr/>
-        <p:txBody>
-          <a:bodyPr/>
-          <a:lstStyle/>
-          <a:p>
-            <a:r>
-              <a:rPr lang="en-US" dirty="0"/>
-              <a:t>Application Programming Interface</a:t>
-            </a:r>
-          </a:p>
-          <a:p>
-            <a:r>
-              <a:rPr lang="en-US" dirty="0"/>
-              <a:t>Web API</a:t>
-            </a:r>
-          </a:p>
-          <a:p>
-            <a:pPr lvl="1"/>
-            <a:r>
-              <a:rPr lang="en-US" dirty="0"/>
-              <a:t>HTTP</a:t>
-            </a:r>
-          </a:p>
-          <a:p>
-            <a:r>
-              <a:rPr lang="en-US" dirty="0"/>
-              <a:t>Representational State Transfer (REST)</a:t>
-            </a:r>
-          </a:p>
-          <a:p>
-            <a:pPr lvl="1"/>
-            <a:r>
-              <a:rPr lang="en-US" dirty="0"/>
-              <a:t>A software architectural style for creating web services</a:t>
-            </a:r>
-          </a:p>
-          <a:p>
-            <a:pPr lvl="1"/>
-            <a:r>
-              <a:rPr lang="en-US" dirty="0"/>
-              <a:t>6 guiding constraints</a:t>
-            </a:r>
-          </a:p>
-          <a:p>
-            <a:pPr lvl="1"/>
-            <a:r>
-              <a:rPr lang="en-US" dirty="0"/>
-              <a:t>Focus on performance and scalability</a:t>
-            </a:r>
-          </a:p>
-          <a:p>
-            <a:r>
-              <a:rPr lang="en-US" dirty="0"/>
-              <a:t>Enable developers using other programming languages (php, </a:t>
-            </a:r>
-            <a:r>
-              <a:rPr lang="en-US" dirty="0" err="1"/>
-              <a:t>node.js</a:t>
-            </a:r>
-            <a:r>
-              <a:rPr lang="en-US" dirty="0"/>
-              <a:t>, </a:t>
-            </a:r>
-            <a:r>
-              <a:rPr lang="en-US" dirty="0" err="1"/>
-              <a:t>etc</a:t>
-            </a:r>
-            <a:r>
-              <a:rPr lang="en-US" dirty="0"/>
-              <a:t>) to connect to R models via web APIs.</a:t>
-            </a:r>
-          </a:p>
-        </p:txBody>
-      </p:sp>
-    </p:spTree>
-    <p:extLst>
-      <p:ext uri="{BB962C8B-B14F-4D97-AF65-F5344CB8AC3E}">
-        <p14:creationId xmlns:p14="http://schemas.microsoft.com/office/powerpoint/2010/main" val="2389574722"/>
       </p:ext>
     </p:extLst>
   </p:cSld>
@@ -6687,6 +7831,154 @@
           <a:chExt cx="0" cy="0"/>
         </a:xfrm>
       </p:grpSpPr>
+      <p:sp>
+        <p:nvSpPr>
+          <p:cNvPr id="2" name="Title 1">
+            <a:extLst>
+              <a:ext uri="{FF2B5EF4-FFF2-40B4-BE49-F238E27FC236}">
+                <a16:creationId xmlns:a16="http://schemas.microsoft.com/office/drawing/2014/main" id="{24FEB10B-3CCE-814A-BE36-BE9AEC7E9AD3}"/>
+              </a:ext>
+            </a:extLst>
+          </p:cNvPr>
+          <p:cNvSpPr>
+            <a:spLocks noGrp="1"/>
+          </p:cNvSpPr>
+          <p:nvPr>
+            <p:ph type="title"/>
+          </p:nvPr>
+        </p:nvSpPr>
+        <p:spPr/>
+        <p:txBody>
+          <a:bodyPr/>
+          <a:lstStyle/>
+          <a:p>
+            <a:r>
+              <a:rPr lang="en-US" dirty="0"/>
+              <a:t>API</a:t>
+            </a:r>
+          </a:p>
+        </p:txBody>
+      </p:sp>
+      <p:sp>
+        <p:nvSpPr>
+          <p:cNvPr id="3" name="Content Placeholder 2">
+            <a:extLst>
+              <a:ext uri="{FF2B5EF4-FFF2-40B4-BE49-F238E27FC236}">
+                <a16:creationId xmlns:a16="http://schemas.microsoft.com/office/drawing/2014/main" id="{FAEBBA2B-7097-A444-91DD-32291D930C8C}"/>
+              </a:ext>
+            </a:extLst>
+          </p:cNvPr>
+          <p:cNvSpPr>
+            <a:spLocks noGrp="1"/>
+          </p:cNvSpPr>
+          <p:nvPr>
+            <p:ph idx="1"/>
+          </p:nvPr>
+        </p:nvSpPr>
+        <p:spPr/>
+        <p:txBody>
+          <a:bodyPr/>
+          <a:lstStyle/>
+          <a:p>
+            <a:r>
+              <a:rPr lang="en-US" dirty="0"/>
+              <a:t>Application Programming Interface</a:t>
+            </a:r>
+          </a:p>
+          <a:p>
+            <a:r>
+              <a:rPr lang="en-US" dirty="0"/>
+              <a:t>Web API</a:t>
+            </a:r>
+          </a:p>
+          <a:p>
+            <a:pPr lvl="1"/>
+            <a:r>
+              <a:rPr lang="en-US" dirty="0"/>
+              <a:t>HTTP</a:t>
+            </a:r>
+          </a:p>
+          <a:p>
+            <a:r>
+              <a:rPr lang="en-US" dirty="0"/>
+              <a:t>Representational State Transfer (REST)</a:t>
+            </a:r>
+          </a:p>
+          <a:p>
+            <a:pPr lvl="1"/>
+            <a:r>
+              <a:rPr lang="en-US" dirty="0"/>
+              <a:t>A software architectural style for creating web services</a:t>
+            </a:r>
+          </a:p>
+          <a:p>
+            <a:pPr lvl="1"/>
+            <a:r>
+              <a:rPr lang="en-US" dirty="0"/>
+              <a:t>6 guiding constraints</a:t>
+            </a:r>
+          </a:p>
+          <a:p>
+            <a:pPr lvl="1"/>
+            <a:r>
+              <a:rPr lang="en-US" dirty="0"/>
+              <a:t>Focus on performance and scalability</a:t>
+            </a:r>
+          </a:p>
+          <a:p>
+            <a:r>
+              <a:rPr lang="en-US" dirty="0"/>
+              <a:t>Enable developers using other programming languages (php, </a:t>
+            </a:r>
+            <a:r>
+              <a:rPr lang="en-US" dirty="0" err="1"/>
+              <a:t>node.js</a:t>
+            </a:r>
+            <a:r>
+              <a:rPr lang="en-US" dirty="0"/>
+              <a:t>, Swift, </a:t>
+            </a:r>
+            <a:r>
+              <a:rPr lang="en-US" dirty="0" err="1"/>
+              <a:t>etc</a:t>
+            </a:r>
+            <a:r>
+              <a:rPr lang="en-US" dirty="0"/>
+              <a:t>) to connect to R models via web APIs.</a:t>
+            </a:r>
+          </a:p>
+        </p:txBody>
+      </p:sp>
+    </p:spTree>
+    <p:extLst>
+      <p:ext uri="{BB962C8B-B14F-4D97-AF65-F5344CB8AC3E}">
+        <p14:creationId xmlns:p14="http://schemas.microsoft.com/office/powerpoint/2010/main" val="2389574722"/>
+      </p:ext>
+    </p:extLst>
+  </p:cSld>
+  <p:clrMapOvr>
+    <a:masterClrMapping/>
+  </p:clrMapOvr>
+</p:sld>
+</file>
+
+<file path=ppt/slides/slide8.xml><?xml version="1.0" encoding="utf-8"?>
+<p:sld xmlns:a="http://schemas.openxmlformats.org/drawingml/2006/main" xmlns:r="http://schemas.openxmlformats.org/officeDocument/2006/relationships" xmlns:p="http://schemas.openxmlformats.org/presentationml/2006/main">
+  <p:cSld>
+    <p:spTree>
+      <p:nvGrpSpPr>
+        <p:cNvPr id="1" name=""/>
+        <p:cNvGrpSpPr/>
+        <p:nvPr/>
+      </p:nvGrpSpPr>
+      <p:grpSpPr>
+        <a:xfrm>
+          <a:off x="0" y="0"/>
+          <a:ext cx="0" cy="0"/>
+          <a:chOff x="0" y="0"/>
+          <a:chExt cx="0" cy="0"/>
+        </a:xfrm>
+      </p:grpSpPr>
       <p:pic>
         <p:nvPicPr>
           <p:cNvPr id="39" name="Picture 38">
@@ -6758,7 +8050,7 @@
 </p:sld>
 </file>
 
-<file path=ppt/slides/slide8.xml><?xml version="1.0" encoding="utf-8"?>
+<file path=ppt/slides/slide9.xml><?xml version="1.0" encoding="utf-8"?>
 <p:sld xmlns:a="http://schemas.openxmlformats.org/drawingml/2006/main" xmlns:r="http://schemas.openxmlformats.org/officeDocument/2006/relationships" xmlns:p="http://schemas.openxmlformats.org/presentationml/2006/main">
   <p:cSld>
     <p:spTree>
@@ -7239,104 +8531,6 @@
     <p:extLst>
       <p:ext uri="{BB962C8B-B14F-4D97-AF65-F5344CB8AC3E}">
         <p14:creationId xmlns:p14="http://schemas.microsoft.com/office/powerpoint/2010/main" val="624137734"/>
-      </p:ext>
-    </p:extLst>
-  </p:cSld>
-  <p:clrMapOvr>
-    <a:masterClrMapping/>
-  </p:clrMapOvr>
-</p:sld>
-</file>
-
-<file path=ppt/slides/slide9.xml><?xml version="1.0" encoding="utf-8"?>
-<p:sld xmlns:a="http://schemas.openxmlformats.org/drawingml/2006/main" xmlns:r="http://schemas.openxmlformats.org/officeDocument/2006/relationships" xmlns:p="http://schemas.openxmlformats.org/presentationml/2006/main">
-  <p:cSld>
-    <p:spTree>
-      <p:nvGrpSpPr>
-        <p:cNvPr id="1" name=""/>
-        <p:cNvGrpSpPr/>
-        <p:nvPr/>
-      </p:nvGrpSpPr>
-      <p:grpSpPr>
-        <a:xfrm>
-          <a:off x="0" y="0"/>
-          <a:ext cx="0" cy="0"/>
-          <a:chOff x="0" y="0"/>
-          <a:chExt cx="0" cy="0"/>
-        </a:xfrm>
-      </p:grpSpPr>
-      <p:sp>
-        <p:nvSpPr>
-          <p:cNvPr id="2" name="Title 1">
-            <a:extLst>
-              <a:ext uri="{FF2B5EF4-FFF2-40B4-BE49-F238E27FC236}">
-                <a16:creationId xmlns:a16="http://schemas.microsoft.com/office/drawing/2014/main" id="{D8412CEB-5DEB-2A48-9AE6-0DE1C0AF33FA}"/>
-              </a:ext>
-            </a:extLst>
-          </p:cNvPr>
-          <p:cNvSpPr>
-            <a:spLocks noGrp="1"/>
-          </p:cNvSpPr>
-          <p:nvPr>
-            <p:ph type="title"/>
-          </p:nvPr>
-        </p:nvSpPr>
-        <p:spPr/>
-        <p:txBody>
-          <a:bodyPr/>
-          <a:lstStyle/>
-          <a:p>
-            <a:r>
-              <a:rPr lang="en-US" dirty="0"/>
-              <a:t>Demo #1 (Local Machine)</a:t>
-            </a:r>
-          </a:p>
-        </p:txBody>
-      </p:sp>
-      <p:sp>
-        <p:nvSpPr>
-          <p:cNvPr id="3" name="Content Placeholder 2">
-            <a:extLst>
-              <a:ext uri="{FF2B5EF4-FFF2-40B4-BE49-F238E27FC236}">
-                <a16:creationId xmlns:a16="http://schemas.microsoft.com/office/drawing/2014/main" id="{28FF3E59-44CE-FD48-ADC2-2AAE87B42E01}"/>
-              </a:ext>
-            </a:extLst>
-          </p:cNvPr>
-          <p:cNvSpPr>
-            <a:spLocks noGrp="1"/>
-          </p:cNvSpPr>
-          <p:nvPr>
-            <p:ph idx="1"/>
-          </p:nvPr>
-        </p:nvSpPr>
-        <p:spPr/>
-        <p:txBody>
-          <a:bodyPr/>
-          <a:lstStyle/>
-          <a:p>
-            <a:r>
-              <a:rPr lang="en-US" dirty="0"/>
-              <a:t>Create new Web APIs using Plumber and RStudio</a:t>
-            </a:r>
-          </a:p>
-          <a:p>
-            <a:r>
-              <a:rPr lang="en-US" dirty="0"/>
-              <a:t>Publish the Web APIs using RStudio on local machine</a:t>
-            </a:r>
-          </a:p>
-          <a:p>
-            <a:r>
-              <a:rPr lang="en-US" dirty="0"/>
-              <a:t>Test the Web APIs and observe the output</a:t>
-            </a:r>
-          </a:p>
-        </p:txBody>
-      </p:sp>
-    </p:spTree>
-    <p:extLst>
-      <p:ext uri="{BB962C8B-B14F-4D97-AF65-F5344CB8AC3E}">
-        <p14:creationId xmlns:p14="http://schemas.microsoft.com/office/powerpoint/2010/main" val="4271932470"/>
       </p:ext>
     </p:extLst>
   </p:cSld>
